--- a/05_Implement.pptx
+++ b/05_Implement.pptx
@@ -5,13 +5,16 @@
     <p:sldMasterId id="2147483648" r:id="rId1"/>
   </p:sldMasterIdLst>
   <p:notesMasterIdLst>
-    <p:notesMasterId r:id="rId6"/>
+    <p:notesMasterId r:id="rId9"/>
   </p:notesMasterIdLst>
   <p:sldIdLst>
     <p:sldId id="270" r:id="rId2"/>
-    <p:sldId id="278" r:id="rId3"/>
+    <p:sldId id="282" r:id="rId3"/>
     <p:sldId id="280" r:id="rId4"/>
-    <p:sldId id="259" r:id="rId5"/>
+    <p:sldId id="281" r:id="rId5"/>
+    <p:sldId id="283" r:id="rId6"/>
+    <p:sldId id="284" r:id="rId7"/>
+    <p:sldId id="259" r:id="rId8"/>
   </p:sldIdLst>
   <p:sldSz cx="9144000" cy="6858000" type="screen4x3"/>
   <p:notesSz cx="6858000" cy="9144000"/>
@@ -3681,8 +3684,8 @@
         </p:nvSpPr>
         <p:spPr>
           <a:xfrm>
-            <a:off x="467544" y="1268759"/>
-            <a:ext cx="8352928" cy="1584177"/>
+            <a:off x="467544" y="1268758"/>
+            <a:ext cx="8352928" cy="2347329"/>
           </a:xfrm>
           <a:ln>
             <a:solidFill>
@@ -3745,7 +3748,7 @@
                   <a:schemeClr val="tx1"/>
                 </a:solidFill>
               </a:rPr>
-              <a:t># Install dependencies: </a:t>
+              <a:t>Error below:</a:t>
             </a:r>
           </a:p>
           <a:p>
@@ -3763,7 +3766,7 @@
                   <a:schemeClr val="tx1"/>
                 </a:solidFill>
               </a:rPr>
-              <a:t>&gt; pip install -U torch==1.5 </a:t>
+              <a:t>&gt; pip install -U '</a:t>
             </a:r>
             <a:r>
               <a:rPr lang="en-US" sz="1400" dirty="0" err="1">
@@ -3771,7 +3774,7 @@
                   <a:schemeClr val="tx1"/>
                 </a:solidFill>
               </a:rPr>
-              <a:t>torchvision</a:t>
+              <a:t>git+https</a:t>
             </a:r>
             <a:r>
               <a:rPr lang="en-US" sz="1400" dirty="0">
@@ -3779,7 +3782,55 @@
                   <a:schemeClr val="tx1"/>
                 </a:solidFill>
               </a:rPr>
-              <a:t>==0.6 -f https://download.pytorch.org/whl/cu101/torch_stable.html</a:t>
+              <a:t>://github.com/</a:t>
+            </a:r>
+            <a:r>
+              <a:rPr lang="en-US" sz="1400" dirty="0" err="1">
+                <a:solidFill>
+                  <a:schemeClr val="tx1"/>
+                </a:solidFill>
+              </a:rPr>
+              <a:t>cocodataset</a:t>
+            </a:r>
+            <a:r>
+              <a:rPr lang="en-US" sz="1400" dirty="0">
+                <a:solidFill>
+                  <a:schemeClr val="tx1"/>
+                </a:solidFill>
+              </a:rPr>
+              <a:t>/</a:t>
+            </a:r>
+            <a:r>
+              <a:rPr lang="en-US" sz="1400" dirty="0" err="1">
+                <a:solidFill>
+                  <a:schemeClr val="tx1"/>
+                </a:solidFill>
+              </a:rPr>
+              <a:t>cocoapi.git#subdirectory</a:t>
+            </a:r>
+            <a:r>
+              <a:rPr lang="en-US" sz="1400" dirty="0">
+                <a:solidFill>
+                  <a:schemeClr val="tx1"/>
+                </a:solidFill>
+              </a:rPr>
+              <a:t>=</a:t>
+            </a:r>
+            <a:r>
+              <a:rPr lang="en-US" sz="1400" dirty="0" err="1">
+                <a:solidFill>
+                  <a:schemeClr val="tx1"/>
+                </a:solidFill>
+              </a:rPr>
+              <a:t>PythonAPI</a:t>
+            </a:r>
+            <a:r>
+              <a:rPr lang="en-US" sz="1400" dirty="0">
+                <a:solidFill>
+                  <a:schemeClr val="tx1"/>
+                </a:solidFill>
+              </a:rPr>
+              <a:t>’ </a:t>
             </a:r>
           </a:p>
           <a:p>
@@ -3797,7 +3848,7 @@
                   <a:schemeClr val="tx1"/>
                 </a:solidFill>
               </a:rPr>
-              <a:t>&gt; pip install </a:t>
+              <a:t>How to install </a:t>
             </a:r>
             <a:r>
               <a:rPr lang="en-US" sz="1400" dirty="0" err="1">
@@ -3805,7 +3856,7 @@
                   <a:schemeClr val="tx1"/>
                 </a:solidFill>
               </a:rPr>
-              <a:t>cython</a:t>
+              <a:t>cocodataset</a:t>
             </a:r>
             <a:r>
               <a:rPr lang="en-US" sz="1400" dirty="0">
@@ -3813,23 +3864,7 @@
                   <a:schemeClr val="tx1"/>
                 </a:solidFill>
               </a:rPr>
-              <a:t> </a:t>
-            </a:r>
-            <a:r>
-              <a:rPr lang="en-US" sz="1400" dirty="0" err="1">
-                <a:solidFill>
-                  <a:schemeClr val="tx1"/>
-                </a:solidFill>
-              </a:rPr>
-              <a:t>pyyaml</a:t>
-            </a:r>
-            <a:r>
-              <a:rPr lang="en-US" sz="1400" dirty="0">
-                <a:solidFill>
-                  <a:schemeClr val="tx1"/>
-                </a:solidFill>
-              </a:rPr>
-              <a:t>==5.1</a:t>
+              <a:t>?</a:t>
             </a:r>
           </a:p>
           <a:p>
@@ -3843,76 +3878,15 @@
             </a:pPr>
             <a:r>
               <a:rPr lang="en-US" sz="1400" dirty="0">
-                <a:solidFill>
-                  <a:schemeClr val="tx1"/>
-                </a:solidFill>
+                <a:hlinkClick r:id="rId3"/>
               </a:rPr>
-              <a:t>&gt; pip install -U '</a:t>
-            </a:r>
-            <a:r>
-              <a:rPr lang="en-US" sz="1400" dirty="0" err="1">
-                <a:solidFill>
-                  <a:schemeClr val="tx1"/>
-                </a:solidFill>
-              </a:rPr>
-              <a:t>git+https</a:t>
-            </a:r>
-            <a:r>
-              <a:rPr lang="en-US" sz="1400" dirty="0">
-                <a:solidFill>
-                  <a:schemeClr val="tx1"/>
-                </a:solidFill>
-              </a:rPr>
-              <a:t>://github.com/</a:t>
-            </a:r>
-            <a:r>
-              <a:rPr lang="en-US" sz="1400" dirty="0" err="1">
-                <a:solidFill>
-                  <a:schemeClr val="tx1"/>
-                </a:solidFill>
-              </a:rPr>
-              <a:t>cocodataset</a:t>
-            </a:r>
-            <a:r>
-              <a:rPr lang="en-US" sz="1400" dirty="0">
-                <a:solidFill>
-                  <a:schemeClr val="tx1"/>
-                </a:solidFill>
-              </a:rPr>
-              <a:t>/</a:t>
-            </a:r>
-            <a:r>
-              <a:rPr lang="en-US" sz="1400" dirty="0" err="1">
-                <a:solidFill>
-                  <a:schemeClr val="tx1"/>
-                </a:solidFill>
-              </a:rPr>
-              <a:t>cocoapi.git#subdirectory</a:t>
-            </a:r>
-            <a:r>
-              <a:rPr lang="en-US" sz="1400" dirty="0">
-                <a:solidFill>
-                  <a:schemeClr val="tx1"/>
-                </a:solidFill>
-              </a:rPr>
-              <a:t>=</a:t>
-            </a:r>
-            <a:r>
-              <a:rPr lang="en-US" sz="1400" dirty="0" err="1">
-                <a:solidFill>
-                  <a:schemeClr val="tx1"/>
-                </a:solidFill>
-              </a:rPr>
-              <a:t>PythonAPI</a:t>
-            </a:r>
-            <a:r>
-              <a:rPr lang="en-US" sz="1400" dirty="0">
-                <a:solidFill>
-                  <a:schemeClr val="tx1"/>
-                </a:solidFill>
-              </a:rPr>
-              <a:t>' </a:t>
-            </a:r>
+              <a:t>https://stackoverflow.com/questions/49311195/how-to-install-coco-pythonapi-in-python3</a:t>
+            </a:r>
+            <a:endParaRPr lang="en-US" sz="1400" dirty="0">
+              <a:solidFill>
+                <a:schemeClr val="tx1"/>
+              </a:solidFill>
+            </a:endParaRPr>
           </a:p>
           <a:p>
             <a:pPr marL="342900" indent="-342900" algn="l">
@@ -3923,11 +3897,50 @@
               <a:buFont typeface="Wingdings" pitchFamily="2" charset="2"/>
               <a:buChar char="u"/>
             </a:pPr>
-            <a:endParaRPr lang="en-US" sz="1400" dirty="0">
-              <a:solidFill>
-                <a:schemeClr val="tx1"/>
-              </a:solidFill>
-            </a:endParaRPr>
+            <a:r>
+              <a:rPr lang="en-US" sz="1400" dirty="0">
+                <a:solidFill>
+                  <a:schemeClr val="tx1"/>
+                </a:solidFill>
+              </a:rPr>
+              <a:t>&gt; git clonehttp://github.com/cocodataset/cocoapt.giy</a:t>
+            </a:r>
+          </a:p>
+          <a:p>
+            <a:pPr marL="342900" indent="-342900" algn="l">
+              <a:buClr>
+                <a:srgbClr val="0070C0"/>
+              </a:buClr>
+              <a:buSzPct val="80000"/>
+              <a:buFont typeface="Wingdings" pitchFamily="2" charset="2"/>
+              <a:buChar char="u"/>
+            </a:pPr>
+            <a:r>
+              <a:rPr lang="en-US" sz="1400" dirty="0">
+                <a:solidFill>
+                  <a:schemeClr val="tx1"/>
+                </a:solidFill>
+              </a:rPr>
+              <a:t>&gt; 2to3 . –w</a:t>
+            </a:r>
+          </a:p>
+          <a:p>
+            <a:pPr marL="342900" indent="-342900" algn="l">
+              <a:buClr>
+                <a:srgbClr val="0070C0"/>
+              </a:buClr>
+              <a:buSzPct val="80000"/>
+              <a:buFont typeface="Wingdings" pitchFamily="2" charset="2"/>
+              <a:buChar char="u"/>
+            </a:pPr>
+            <a:r>
+              <a:rPr lang="en-US" sz="1400" dirty="0">
+                <a:solidFill>
+                  <a:schemeClr val="tx1"/>
+                </a:solidFill>
+              </a:rPr>
+              <a:t>&gt; python3 setup.py install</a:t>
+            </a:r>
           </a:p>
         </p:txBody>
       </p:sp>
@@ -4058,10 +4071,10 @@
       </p:sp>
       <p:pic>
         <p:nvPicPr>
-          <p:cNvPr id="9" name="Picture 8">
+          <p:cNvPr id="8" name="Picture 7">
             <a:extLst>
               <a:ext uri="{FF2B5EF4-FFF2-40B4-BE49-F238E27FC236}">
-                <a16:creationId xmlns:a16="http://schemas.microsoft.com/office/drawing/2014/main" id="{7C95E1D2-0DA2-49FD-BF0E-CAC2FEFC5274}"/>
+                <a16:creationId xmlns:a16="http://schemas.microsoft.com/office/drawing/2014/main" id="{91684D66-7DC5-4E1E-AAD1-8C272F649C9A}"/>
               </a:ext>
             </a:extLst>
           </p:cNvPr>
@@ -4071,15 +4084,15 @@
           <p:nvPr/>
         </p:nvPicPr>
         <p:blipFill>
-          <a:blip r:embed="rId3"/>
+          <a:blip r:embed="rId4"/>
           <a:stretch>
             <a:fillRect/>
           </a:stretch>
         </p:blipFill>
         <p:spPr>
           <a:xfrm>
-            <a:off x="1187624" y="2996951"/>
-            <a:ext cx="6300192" cy="2849626"/>
+            <a:off x="777280" y="3760101"/>
+            <a:ext cx="7909520" cy="2173484"/>
           </a:xfrm>
           <a:prstGeom prst="rect">
             <a:avLst/>
@@ -4094,7 +4107,7 @@
     </p:spTree>
     <p:extLst>
       <p:ext uri="{BB962C8B-B14F-4D97-AF65-F5344CB8AC3E}">
-        <p14:creationId xmlns:p14="http://schemas.microsoft.com/office/powerpoint/2010/main" val="3962801643"/>
+        <p14:creationId xmlns:p14="http://schemas.microsoft.com/office/powerpoint/2010/main" val="3100401371"/>
       </p:ext>
     </p:extLst>
   </p:cSld>
@@ -4501,6 +4514,1031 @@
         </p:nvSpPr>
         <p:spPr>
           <a:xfrm>
+            <a:off x="0" y="1"/>
+            <a:ext cx="9144000" cy="764704"/>
+          </a:xfrm>
+          <a:gradFill flip="none" rotWithShape="1">
+            <a:gsLst>
+              <a:gs pos="0">
+                <a:srgbClr val="C00000">
+                  <a:shade val="30000"/>
+                  <a:satMod val="115000"/>
+                </a:srgbClr>
+              </a:gs>
+              <a:gs pos="50000">
+                <a:srgbClr val="C00000">
+                  <a:shade val="67500"/>
+                  <a:satMod val="115000"/>
+                </a:srgbClr>
+              </a:gs>
+              <a:gs pos="100000">
+                <a:srgbClr val="C00000">
+                  <a:shade val="100000"/>
+                  <a:satMod val="115000"/>
+                </a:srgbClr>
+              </a:gs>
+            </a:gsLst>
+            <a:path path="circle">
+              <a:fillToRect t="100000" r="100000"/>
+            </a:path>
+            <a:tileRect l="-100000" b="-100000"/>
+          </a:gradFill>
+        </p:spPr>
+        <p:txBody>
+          <a:bodyPr>
+            <a:normAutofit/>
+          </a:bodyPr>
+          <a:lstStyle/>
+          <a:p>
+            <a:pPr algn="l"/>
+            <a:r>
+              <a:rPr lang="en-US" altLang="zh-TW" b="1" dirty="0">
+                <a:solidFill>
+                  <a:srgbClr val="FFFF00"/>
+                </a:solidFill>
+              </a:rPr>
+              <a:t>5 Implement</a:t>
+            </a:r>
+            <a:endParaRPr lang="zh-TW" altLang="en-US" b="1" dirty="0">
+              <a:solidFill>
+                <a:srgbClr val="FFFF00"/>
+              </a:solidFill>
+            </a:endParaRPr>
+          </a:p>
+        </p:txBody>
+      </p:sp>
+      <p:sp>
+        <p:nvSpPr>
+          <p:cNvPr id="3" name="副標題 2"/>
+          <p:cNvSpPr>
+            <a:spLocks noGrp="1"/>
+          </p:cNvSpPr>
+          <p:nvPr>
+            <p:ph type="subTitle" idx="1"/>
+          </p:nvPr>
+        </p:nvSpPr>
+        <p:spPr>
+          <a:xfrm>
+            <a:off x="467544" y="1268758"/>
+            <a:ext cx="8352928" cy="1688011"/>
+          </a:xfrm>
+          <a:ln>
+            <a:solidFill>
+              <a:srgbClr val="C00000"/>
+            </a:solidFill>
+          </a:ln>
+        </p:spPr>
+        <p:txBody>
+          <a:bodyPr>
+            <a:noAutofit/>
+          </a:bodyPr>
+          <a:lstStyle/>
+          <a:p>
+            <a:pPr marL="342900" indent="-342900" algn="l">
+              <a:buClr>
+                <a:srgbClr val="0070C0"/>
+              </a:buClr>
+              <a:buSzPct val="80000"/>
+              <a:buFont typeface="Wingdings" pitchFamily="2" charset="2"/>
+              <a:buChar char="u"/>
+            </a:pPr>
+            <a:r>
+              <a:rPr lang="en-US" sz="1800" dirty="0">
+                <a:hlinkClick r:id="rId2"/>
+              </a:rPr>
+              <a:t>https://www.youtube.com/watch?v=8eLHZ0R5nHQ&amp;t=11s</a:t>
+            </a:r>
+            <a:endParaRPr lang="en-US" sz="1800" dirty="0"/>
+          </a:p>
+          <a:p>
+            <a:pPr marL="342900" indent="-342900" algn="l">
+              <a:buClr>
+                <a:srgbClr val="0070C0"/>
+              </a:buClr>
+              <a:buSzPct val="80000"/>
+              <a:buFont typeface="Wingdings" pitchFamily="2" charset="2"/>
+              <a:buChar char="u"/>
+            </a:pPr>
+            <a:r>
+              <a:rPr lang="en-US" sz="1800" dirty="0">
+                <a:solidFill>
+                  <a:schemeClr val="tx1"/>
+                </a:solidFill>
+              </a:rPr>
+              <a:t>9:56/1:07:20</a:t>
+            </a:r>
+          </a:p>
+          <a:p>
+            <a:pPr marL="342900" indent="-342900" algn="l">
+              <a:buClr>
+                <a:srgbClr val="0070C0"/>
+              </a:buClr>
+              <a:buSzPct val="80000"/>
+              <a:buFont typeface="Wingdings" pitchFamily="2" charset="2"/>
+              <a:buChar char="u"/>
+            </a:pPr>
+            <a:r>
+              <a:rPr lang="en-US" sz="1800" dirty="0">
+                <a:solidFill>
+                  <a:schemeClr val="tx1"/>
+                </a:solidFill>
+              </a:rPr>
+              <a:t>Clone the dectron2</a:t>
+            </a:r>
+          </a:p>
+          <a:p>
+            <a:pPr marL="342900" indent="-342900" algn="l">
+              <a:buClr>
+                <a:srgbClr val="0070C0"/>
+              </a:buClr>
+              <a:buSzPct val="80000"/>
+              <a:buFont typeface="Wingdings" pitchFamily="2" charset="2"/>
+              <a:buChar char="u"/>
+            </a:pPr>
+            <a:r>
+              <a:rPr lang="en-US" sz="1800" dirty="0">
+                <a:solidFill>
+                  <a:schemeClr val="tx1"/>
+                </a:solidFill>
+              </a:rPr>
+              <a:t>&gt; git clone https://github.com/facebookresearch/detectron2 detectron2_repo</a:t>
+            </a:r>
+          </a:p>
+          <a:p>
+            <a:pPr marL="342900" indent="-342900" algn="l">
+              <a:buClr>
+                <a:srgbClr val="0070C0"/>
+              </a:buClr>
+              <a:buSzPct val="80000"/>
+              <a:buFont typeface="Wingdings" pitchFamily="2" charset="2"/>
+              <a:buChar char="u"/>
+            </a:pPr>
+            <a:r>
+              <a:rPr lang="en-US" sz="1800" dirty="0">
+                <a:solidFill>
+                  <a:schemeClr val="tx1"/>
+                </a:solidFill>
+              </a:rPr>
+              <a:t>Note: detectron2 cannot </a:t>
+            </a:r>
+            <a:r>
+              <a:rPr lang="en-US" sz="1800">
+                <a:solidFill>
+                  <a:schemeClr val="tx1"/>
+                </a:solidFill>
+              </a:rPr>
+              <a:t>install under </a:t>
+            </a:r>
+            <a:r>
+              <a:rPr lang="en-US" sz="1800" dirty="0">
+                <a:solidFill>
+                  <a:schemeClr val="tx1"/>
+                </a:solidFill>
+              </a:rPr>
+              <a:t>window 10</a:t>
+            </a:r>
+          </a:p>
+        </p:txBody>
+      </p:sp>
+      <p:sp>
+        <p:nvSpPr>
+          <p:cNvPr id="4" name="標題 1"/>
+          <p:cNvSpPr txBox="1">
+            <a:spLocks/>
+          </p:cNvSpPr>
+          <p:nvPr/>
+        </p:nvSpPr>
+        <p:spPr>
+          <a:xfrm>
+            <a:off x="0" y="764704"/>
+            <a:ext cx="9144000" cy="360040"/>
+          </a:xfrm>
+          <a:prstGeom prst="rect">
+            <a:avLst/>
+          </a:prstGeom>
+          <a:gradFill flip="none" rotWithShape="1">
+            <a:gsLst>
+              <a:gs pos="0">
+                <a:srgbClr val="00B0F0">
+                  <a:shade val="30000"/>
+                  <a:satMod val="115000"/>
+                </a:srgbClr>
+              </a:gs>
+              <a:gs pos="50000">
+                <a:srgbClr val="00B0F0">
+                  <a:shade val="67500"/>
+                  <a:satMod val="115000"/>
+                </a:srgbClr>
+              </a:gs>
+              <a:gs pos="100000">
+                <a:srgbClr val="00B0F0">
+                  <a:shade val="100000"/>
+                  <a:satMod val="115000"/>
+                </a:srgbClr>
+              </a:gs>
+            </a:gsLst>
+            <a:path path="circle">
+              <a:fillToRect t="100000" r="100000"/>
+            </a:path>
+            <a:tileRect l="-100000" b="-100000"/>
+          </a:gradFill>
+        </p:spPr>
+        <p:txBody>
+          <a:bodyPr vert="horz" lIns="91440" tIns="45720" rIns="91440" bIns="45720" rtlCol="0" anchor="ctr">
+            <a:normAutofit/>
+          </a:bodyPr>
+          <a:lstStyle/>
+          <a:p>
+            <a:pPr lvl="0">
+              <a:spcBef>
+                <a:spcPct val="0"/>
+              </a:spcBef>
+            </a:pPr>
+            <a:r>
+              <a:rPr lang="en-US" sz="1600" dirty="0">
+                <a:hlinkClick r:id="rId3"/>
+              </a:rPr>
+              <a:t>https://colab.research.google.com/drive/16jcaJoc6bCFAQ96jDe2HwtXj7BMD_-m5#scrollTo=QHnVupBBn9eR</a:t>
+            </a:r>
+            <a:endParaRPr kumimoji="0" lang="zh-TW" altLang="en-US" sz="1600" b="0" i="0" u="none" strike="noStrike" kern="1200" cap="none" spc="0" normalizeH="0" baseline="0" noProof="0" dirty="0">
+              <a:ln>
+                <a:noFill/>
+              </a:ln>
+              <a:solidFill>
+                <a:schemeClr val="tx1"/>
+              </a:solidFill>
+              <a:effectLst/>
+              <a:uLnTx/>
+              <a:uFillTx/>
+              <a:latin typeface="+mj-lt"/>
+              <a:ea typeface="+mj-ea"/>
+              <a:cs typeface="+mj-cs"/>
+            </a:endParaRPr>
+          </a:p>
+        </p:txBody>
+      </p:sp>
+      <p:sp>
+        <p:nvSpPr>
+          <p:cNvPr id="5" name="日期版面配置區 4"/>
+          <p:cNvSpPr>
+            <a:spLocks noGrp="1"/>
+          </p:cNvSpPr>
+          <p:nvPr>
+            <p:ph type="dt" sz="half" idx="10"/>
+          </p:nvPr>
+        </p:nvSpPr>
+        <p:spPr/>
+        <p:txBody>
+          <a:bodyPr/>
+          <a:lstStyle/>
+          <a:p>
+            <a:fld id="{A4F910E6-8D00-4BAF-8C48-9688E0B449D3}" type="datetime1">
+              <a:rPr lang="zh-TW" altLang="en-US" smtClean="0"/>
+              <a:pPr/>
+              <a:t>2020/5/14</a:t>
+            </a:fld>
+            <a:endParaRPr lang="zh-TW" altLang="en-US"/>
+          </a:p>
+        </p:txBody>
+      </p:sp>
+      <p:sp>
+        <p:nvSpPr>
+          <p:cNvPr id="6" name="投影片編號版面配置區 5"/>
+          <p:cNvSpPr>
+            <a:spLocks noGrp="1"/>
+          </p:cNvSpPr>
+          <p:nvPr>
+            <p:ph type="sldNum" sz="quarter" idx="12"/>
+          </p:nvPr>
+        </p:nvSpPr>
+        <p:spPr/>
+        <p:txBody>
+          <a:bodyPr/>
+          <a:lstStyle/>
+          <a:p>
+            <a:fld id="{E4D7E63D-91F2-4366-A2C4-1B00C9E2590E}" type="slidenum">
+              <a:rPr lang="zh-TW" altLang="en-US" smtClean="0"/>
+              <a:pPr/>
+              <a:t>4</a:t>
+            </a:fld>
+            <a:endParaRPr lang="zh-TW" altLang="en-US"/>
+          </a:p>
+        </p:txBody>
+      </p:sp>
+      <p:pic>
+        <p:nvPicPr>
+          <p:cNvPr id="10" name="Picture 9">
+            <a:extLst>
+              <a:ext uri="{FF2B5EF4-FFF2-40B4-BE49-F238E27FC236}">
+                <a16:creationId xmlns:a16="http://schemas.microsoft.com/office/drawing/2014/main" id="{D1FBFDB1-8BFD-466B-977C-3727EBDC93BE}"/>
+              </a:ext>
+            </a:extLst>
+          </p:cNvPr>
+          <p:cNvPicPr>
+            <a:picLocks noChangeAspect="1"/>
+          </p:cNvPicPr>
+          <p:nvPr/>
+        </p:nvPicPr>
+        <p:blipFill>
+          <a:blip r:embed="rId4"/>
+          <a:stretch>
+            <a:fillRect/>
+          </a:stretch>
+        </p:blipFill>
+        <p:spPr>
+          <a:xfrm>
+            <a:off x="547188" y="3365255"/>
+            <a:ext cx="8567936" cy="1423540"/>
+          </a:xfrm>
+          <a:prstGeom prst="rect">
+            <a:avLst/>
+          </a:prstGeom>
+          <a:ln>
+            <a:solidFill>
+              <a:srgbClr val="C00000"/>
+            </a:solidFill>
+          </a:ln>
+        </p:spPr>
+      </p:pic>
+    </p:spTree>
+    <p:extLst>
+      <p:ext uri="{BB962C8B-B14F-4D97-AF65-F5344CB8AC3E}">
+        <p14:creationId xmlns:p14="http://schemas.microsoft.com/office/powerpoint/2010/main" val="2726512774"/>
+      </p:ext>
+    </p:extLst>
+  </p:cSld>
+  <p:clrMapOvr>
+    <a:masterClrMapping/>
+  </p:clrMapOvr>
+</p:sld>
+</file>
+
+<file path=ppt/slides/slide5.xml><?xml version="1.0" encoding="utf-8"?>
+<p:sld xmlns:a="http://schemas.openxmlformats.org/drawingml/2006/main" xmlns:r="http://schemas.openxmlformats.org/officeDocument/2006/relationships" xmlns:p="http://schemas.openxmlformats.org/presentationml/2006/main">
+  <p:cSld>
+    <p:spTree>
+      <p:nvGrpSpPr>
+        <p:cNvPr id="1" name=""/>
+        <p:cNvGrpSpPr/>
+        <p:nvPr/>
+      </p:nvGrpSpPr>
+      <p:grpSpPr>
+        <a:xfrm>
+          <a:off x="0" y="0"/>
+          <a:ext cx="0" cy="0"/>
+          <a:chOff x="0" y="0"/>
+          <a:chExt cx="0" cy="0"/>
+        </a:xfrm>
+      </p:grpSpPr>
+      <p:sp>
+        <p:nvSpPr>
+          <p:cNvPr id="2" name="標題 1"/>
+          <p:cNvSpPr>
+            <a:spLocks noGrp="1"/>
+          </p:cNvSpPr>
+          <p:nvPr>
+            <p:ph type="ctrTitle"/>
+          </p:nvPr>
+        </p:nvSpPr>
+        <p:spPr>
+          <a:xfrm>
+            <a:off x="0" y="1"/>
+            <a:ext cx="9144000" cy="764704"/>
+          </a:xfrm>
+          <a:gradFill flip="none" rotWithShape="1">
+            <a:gsLst>
+              <a:gs pos="0">
+                <a:srgbClr val="C00000">
+                  <a:shade val="30000"/>
+                  <a:satMod val="115000"/>
+                </a:srgbClr>
+              </a:gs>
+              <a:gs pos="50000">
+                <a:srgbClr val="C00000">
+                  <a:shade val="67500"/>
+                  <a:satMod val="115000"/>
+                </a:srgbClr>
+              </a:gs>
+              <a:gs pos="100000">
+                <a:srgbClr val="C00000">
+                  <a:shade val="100000"/>
+                  <a:satMod val="115000"/>
+                </a:srgbClr>
+              </a:gs>
+            </a:gsLst>
+            <a:path path="circle">
+              <a:fillToRect t="100000" r="100000"/>
+            </a:path>
+            <a:tileRect l="-100000" b="-100000"/>
+          </a:gradFill>
+        </p:spPr>
+        <p:txBody>
+          <a:bodyPr>
+            <a:normAutofit/>
+          </a:bodyPr>
+          <a:lstStyle/>
+          <a:p>
+            <a:pPr algn="l"/>
+            <a:r>
+              <a:rPr lang="en-US" altLang="zh-TW" b="1" dirty="0">
+                <a:solidFill>
+                  <a:srgbClr val="FFFF00"/>
+                </a:solidFill>
+              </a:rPr>
+              <a:t>5 Implement</a:t>
+            </a:r>
+            <a:endParaRPr lang="zh-TW" altLang="en-US" b="1" dirty="0">
+              <a:solidFill>
+                <a:srgbClr val="FFFF00"/>
+              </a:solidFill>
+            </a:endParaRPr>
+          </a:p>
+        </p:txBody>
+      </p:sp>
+      <p:sp>
+        <p:nvSpPr>
+          <p:cNvPr id="3" name="副標題 2"/>
+          <p:cNvSpPr>
+            <a:spLocks noGrp="1"/>
+          </p:cNvSpPr>
+          <p:nvPr>
+            <p:ph type="subTitle" idx="1"/>
+          </p:nvPr>
+        </p:nvSpPr>
+        <p:spPr>
+          <a:xfrm>
+            <a:off x="467544" y="1268759"/>
+            <a:ext cx="8352928" cy="1423540"/>
+          </a:xfrm>
+          <a:ln>
+            <a:solidFill>
+              <a:srgbClr val="C00000"/>
+            </a:solidFill>
+          </a:ln>
+        </p:spPr>
+        <p:txBody>
+          <a:bodyPr>
+            <a:noAutofit/>
+          </a:bodyPr>
+          <a:lstStyle/>
+          <a:p>
+            <a:pPr marL="342900" indent="-342900" algn="l">
+              <a:buClr>
+                <a:srgbClr val="0070C0"/>
+              </a:buClr>
+              <a:buSzPct val="80000"/>
+              <a:buFont typeface="Wingdings" pitchFamily="2" charset="2"/>
+              <a:buChar char="u"/>
+            </a:pPr>
+            <a:r>
+              <a:rPr lang="en-US" sz="1800" b="1" dirty="0">
+                <a:solidFill>
+                  <a:srgbClr val="C00000"/>
+                </a:solidFill>
+              </a:rPr>
+              <a:t>Restart the computer</a:t>
+            </a:r>
+            <a:endParaRPr lang="en-US" altLang="en-US" sz="4400" b="1" dirty="0">
+              <a:solidFill>
+                <a:srgbClr val="C00000"/>
+              </a:solidFill>
+              <a:latin typeface="Arial" panose="020B0604020202020204" pitchFamily="34" charset="0"/>
+            </a:endParaRPr>
+          </a:p>
+          <a:p>
+            <a:pPr marL="342900" indent="-342900" algn="l">
+              <a:buClr>
+                <a:srgbClr val="0070C0"/>
+              </a:buClr>
+              <a:buSzPct val="80000"/>
+              <a:buFont typeface="Wingdings" pitchFamily="2" charset="2"/>
+              <a:buChar char="u"/>
+            </a:pPr>
+            <a:endParaRPr lang="en-US" sz="1800" dirty="0">
+              <a:solidFill>
+                <a:schemeClr val="tx1"/>
+              </a:solidFill>
+            </a:endParaRPr>
+          </a:p>
+        </p:txBody>
+      </p:sp>
+      <p:sp>
+        <p:nvSpPr>
+          <p:cNvPr id="4" name="標題 1"/>
+          <p:cNvSpPr txBox="1">
+            <a:spLocks/>
+          </p:cNvSpPr>
+          <p:nvPr/>
+        </p:nvSpPr>
+        <p:spPr>
+          <a:xfrm>
+            <a:off x="0" y="764704"/>
+            <a:ext cx="9144000" cy="360040"/>
+          </a:xfrm>
+          <a:prstGeom prst="rect">
+            <a:avLst/>
+          </a:prstGeom>
+          <a:gradFill flip="none" rotWithShape="1">
+            <a:gsLst>
+              <a:gs pos="0">
+                <a:srgbClr val="00B0F0">
+                  <a:shade val="30000"/>
+                  <a:satMod val="115000"/>
+                </a:srgbClr>
+              </a:gs>
+              <a:gs pos="50000">
+                <a:srgbClr val="00B0F0">
+                  <a:shade val="67500"/>
+                  <a:satMod val="115000"/>
+                </a:srgbClr>
+              </a:gs>
+              <a:gs pos="100000">
+                <a:srgbClr val="00B0F0">
+                  <a:shade val="100000"/>
+                  <a:satMod val="115000"/>
+                </a:srgbClr>
+              </a:gs>
+            </a:gsLst>
+            <a:path path="circle">
+              <a:fillToRect t="100000" r="100000"/>
+            </a:path>
+            <a:tileRect l="-100000" b="-100000"/>
+          </a:gradFill>
+        </p:spPr>
+        <p:txBody>
+          <a:bodyPr vert="horz" lIns="91440" tIns="45720" rIns="91440" bIns="45720" rtlCol="0" anchor="ctr">
+            <a:normAutofit/>
+          </a:bodyPr>
+          <a:lstStyle/>
+          <a:p>
+            <a:pPr lvl="0">
+              <a:spcBef>
+                <a:spcPct val="0"/>
+              </a:spcBef>
+            </a:pPr>
+            <a:r>
+              <a:rPr lang="en-US" sz="1600" dirty="0">
+                <a:hlinkClick r:id="rId2"/>
+              </a:rPr>
+              <a:t>https://colab.research.google.com/drive/16jcaJoc6bCFAQ96jDe2HwtXj7BMD_-m5#scrollTo=QHnVupBBn9eR</a:t>
+            </a:r>
+            <a:endParaRPr kumimoji="0" lang="zh-TW" altLang="en-US" sz="1600" b="0" i="0" u="none" strike="noStrike" kern="1200" cap="none" spc="0" normalizeH="0" baseline="0" noProof="0" dirty="0">
+              <a:ln>
+                <a:noFill/>
+              </a:ln>
+              <a:solidFill>
+                <a:schemeClr val="tx1"/>
+              </a:solidFill>
+              <a:effectLst/>
+              <a:uLnTx/>
+              <a:uFillTx/>
+              <a:latin typeface="+mj-lt"/>
+              <a:ea typeface="+mj-ea"/>
+              <a:cs typeface="+mj-cs"/>
+            </a:endParaRPr>
+          </a:p>
+        </p:txBody>
+      </p:sp>
+      <p:sp>
+        <p:nvSpPr>
+          <p:cNvPr id="5" name="日期版面配置區 4"/>
+          <p:cNvSpPr>
+            <a:spLocks noGrp="1"/>
+          </p:cNvSpPr>
+          <p:nvPr>
+            <p:ph type="dt" sz="half" idx="10"/>
+          </p:nvPr>
+        </p:nvSpPr>
+        <p:spPr/>
+        <p:txBody>
+          <a:bodyPr/>
+          <a:lstStyle/>
+          <a:p>
+            <a:fld id="{A4F910E6-8D00-4BAF-8C48-9688E0B449D3}" type="datetime1">
+              <a:rPr lang="zh-TW" altLang="en-US" smtClean="0"/>
+              <a:pPr/>
+              <a:t>2020/5/14</a:t>
+            </a:fld>
+            <a:endParaRPr lang="zh-TW" altLang="en-US"/>
+          </a:p>
+        </p:txBody>
+      </p:sp>
+      <p:sp>
+        <p:nvSpPr>
+          <p:cNvPr id="6" name="投影片編號版面配置區 5"/>
+          <p:cNvSpPr>
+            <a:spLocks noGrp="1"/>
+          </p:cNvSpPr>
+          <p:nvPr>
+            <p:ph type="sldNum" sz="quarter" idx="12"/>
+          </p:nvPr>
+        </p:nvSpPr>
+        <p:spPr/>
+        <p:txBody>
+          <a:bodyPr/>
+          <a:lstStyle/>
+          <a:p>
+            <a:fld id="{E4D7E63D-91F2-4366-A2C4-1B00C9E2590E}" type="slidenum">
+              <a:rPr lang="zh-TW" altLang="en-US" smtClean="0"/>
+              <a:pPr/>
+              <a:t>5</a:t>
+            </a:fld>
+            <a:endParaRPr lang="zh-TW" altLang="en-US"/>
+          </a:p>
+        </p:txBody>
+      </p:sp>
+    </p:spTree>
+    <p:extLst>
+      <p:ext uri="{BB962C8B-B14F-4D97-AF65-F5344CB8AC3E}">
+        <p14:creationId xmlns:p14="http://schemas.microsoft.com/office/powerpoint/2010/main" val="3640693959"/>
+      </p:ext>
+    </p:extLst>
+  </p:cSld>
+  <p:clrMapOvr>
+    <a:masterClrMapping/>
+  </p:clrMapOvr>
+</p:sld>
+</file>
+
+<file path=ppt/slides/slide6.xml><?xml version="1.0" encoding="utf-8"?>
+<p:sld xmlns:a="http://schemas.openxmlformats.org/drawingml/2006/main" xmlns:r="http://schemas.openxmlformats.org/officeDocument/2006/relationships" xmlns:p="http://schemas.openxmlformats.org/presentationml/2006/main">
+  <p:cSld>
+    <p:spTree>
+      <p:nvGrpSpPr>
+        <p:cNvPr id="1" name=""/>
+        <p:cNvGrpSpPr/>
+        <p:nvPr/>
+      </p:nvGrpSpPr>
+      <p:grpSpPr>
+        <a:xfrm>
+          <a:off x="0" y="0"/>
+          <a:ext cx="0" cy="0"/>
+          <a:chOff x="0" y="0"/>
+          <a:chExt cx="0" cy="0"/>
+        </a:xfrm>
+      </p:grpSpPr>
+      <p:sp>
+        <p:nvSpPr>
+          <p:cNvPr id="2" name="標題 1"/>
+          <p:cNvSpPr>
+            <a:spLocks noGrp="1"/>
+          </p:cNvSpPr>
+          <p:nvPr>
+            <p:ph type="ctrTitle"/>
+          </p:nvPr>
+        </p:nvSpPr>
+        <p:spPr>
+          <a:xfrm>
+            <a:off x="0" y="1"/>
+            <a:ext cx="9144000" cy="764704"/>
+          </a:xfrm>
+          <a:gradFill flip="none" rotWithShape="1">
+            <a:gsLst>
+              <a:gs pos="0">
+                <a:srgbClr val="C00000">
+                  <a:shade val="30000"/>
+                  <a:satMod val="115000"/>
+                </a:srgbClr>
+              </a:gs>
+              <a:gs pos="50000">
+                <a:srgbClr val="C00000">
+                  <a:shade val="67500"/>
+                  <a:satMod val="115000"/>
+                </a:srgbClr>
+              </a:gs>
+              <a:gs pos="100000">
+                <a:srgbClr val="C00000">
+                  <a:shade val="100000"/>
+                  <a:satMod val="115000"/>
+                </a:srgbClr>
+              </a:gs>
+            </a:gsLst>
+            <a:path path="circle">
+              <a:fillToRect t="100000" r="100000"/>
+            </a:path>
+            <a:tileRect l="-100000" b="-100000"/>
+          </a:gradFill>
+        </p:spPr>
+        <p:txBody>
+          <a:bodyPr>
+            <a:normAutofit/>
+          </a:bodyPr>
+          <a:lstStyle/>
+          <a:p>
+            <a:pPr algn="l"/>
+            <a:r>
+              <a:rPr lang="en-US" altLang="zh-TW" b="1" dirty="0">
+                <a:solidFill>
+                  <a:srgbClr val="FFFF00"/>
+                </a:solidFill>
+              </a:rPr>
+              <a:t>5 Implement</a:t>
+            </a:r>
+            <a:endParaRPr lang="zh-TW" altLang="en-US" b="1" dirty="0">
+              <a:solidFill>
+                <a:srgbClr val="FFFF00"/>
+              </a:solidFill>
+            </a:endParaRPr>
+          </a:p>
+        </p:txBody>
+      </p:sp>
+      <p:sp>
+        <p:nvSpPr>
+          <p:cNvPr id="3" name="副標題 2"/>
+          <p:cNvSpPr>
+            <a:spLocks noGrp="1"/>
+          </p:cNvSpPr>
+          <p:nvPr>
+            <p:ph type="subTitle" idx="1"/>
+          </p:nvPr>
+        </p:nvSpPr>
+        <p:spPr>
+          <a:xfrm>
+            <a:off x="467544" y="1268759"/>
+            <a:ext cx="8352928" cy="1423540"/>
+          </a:xfrm>
+          <a:ln>
+            <a:solidFill>
+              <a:srgbClr val="C00000"/>
+            </a:solidFill>
+          </a:ln>
+        </p:spPr>
+        <p:txBody>
+          <a:bodyPr>
+            <a:noAutofit/>
+          </a:bodyPr>
+          <a:lstStyle/>
+          <a:p>
+            <a:pPr marL="342900" indent="-342900" algn="l">
+              <a:buClr>
+                <a:srgbClr val="0070C0"/>
+              </a:buClr>
+              <a:buSzPct val="80000"/>
+              <a:buFont typeface="Wingdings" pitchFamily="2" charset="2"/>
+              <a:buChar char="u"/>
+            </a:pPr>
+            <a:r>
+              <a:rPr lang="en-US" sz="1800" dirty="0">
+                <a:hlinkClick r:id="rId2"/>
+              </a:rPr>
+              <a:t>https://github.com/facebookresearch/detectron2/blob/master/INSTALL.md</a:t>
+            </a:r>
+            <a:endParaRPr lang="en-US" sz="1800" dirty="0"/>
+          </a:p>
+          <a:p>
+            <a:pPr marL="342900" indent="-342900" algn="l">
+              <a:buClr>
+                <a:srgbClr val="0070C0"/>
+              </a:buClr>
+              <a:buSzPct val="80000"/>
+              <a:buFont typeface="Wingdings" pitchFamily="2" charset="2"/>
+              <a:buChar char="u"/>
+            </a:pPr>
+            <a:r>
+              <a:rPr lang="en-US" sz="1800" dirty="0">
+                <a:solidFill>
+                  <a:schemeClr val="tx1"/>
+                </a:solidFill>
+              </a:rPr>
+              <a:t>9:56/1:07:20</a:t>
+            </a:r>
+          </a:p>
+          <a:p>
+            <a:pPr marL="342900" indent="-342900" algn="l">
+              <a:buClr>
+                <a:srgbClr val="0070C0"/>
+              </a:buClr>
+              <a:buSzPct val="80000"/>
+              <a:buFont typeface="Wingdings" pitchFamily="2" charset="2"/>
+              <a:buChar char="u"/>
+            </a:pPr>
+            <a:r>
+              <a:rPr lang="en-US" altLang="en-US" sz="1800" dirty="0">
+                <a:solidFill>
+                  <a:srgbClr val="24292E"/>
+                </a:solidFill>
+                <a:latin typeface="SFMono-Regular"/>
+              </a:rPr>
+              <a:t>&gt; git clone https://github.com/facebookresearch/detectron2.git </a:t>
+            </a:r>
+          </a:p>
+          <a:p>
+            <a:pPr marL="342900" indent="-342900" algn="l">
+              <a:buClr>
+                <a:srgbClr val="0070C0"/>
+              </a:buClr>
+              <a:buSzPct val="80000"/>
+              <a:buFont typeface="Wingdings" pitchFamily="2" charset="2"/>
+              <a:buChar char="u"/>
+            </a:pPr>
+            <a:r>
+              <a:rPr lang="en-US" altLang="en-US" sz="1800" dirty="0">
+                <a:solidFill>
+                  <a:srgbClr val="24292E"/>
+                </a:solidFill>
+                <a:latin typeface="SFMono-Regular"/>
+              </a:rPr>
+              <a:t>&gt; python -m pip install -e detectron2</a:t>
+            </a:r>
+            <a:r>
+              <a:rPr lang="en-US" altLang="en-US" sz="800" dirty="0">
+                <a:solidFill>
+                  <a:schemeClr val="tx1"/>
+                </a:solidFill>
+              </a:rPr>
+              <a:t> </a:t>
+            </a:r>
+            <a:endParaRPr lang="en-US" altLang="en-US" sz="4400" dirty="0">
+              <a:solidFill>
+                <a:schemeClr val="tx1"/>
+              </a:solidFill>
+              <a:latin typeface="Arial" panose="020B0604020202020204" pitchFamily="34" charset="0"/>
+            </a:endParaRPr>
+          </a:p>
+          <a:p>
+            <a:pPr marL="342900" indent="-342900" algn="l">
+              <a:buClr>
+                <a:srgbClr val="0070C0"/>
+              </a:buClr>
+              <a:buSzPct val="80000"/>
+              <a:buFont typeface="Wingdings" pitchFamily="2" charset="2"/>
+              <a:buChar char="u"/>
+            </a:pPr>
+            <a:endParaRPr lang="en-US" sz="1800" dirty="0">
+              <a:solidFill>
+                <a:schemeClr val="tx1"/>
+              </a:solidFill>
+            </a:endParaRPr>
+          </a:p>
+        </p:txBody>
+      </p:sp>
+      <p:sp>
+        <p:nvSpPr>
+          <p:cNvPr id="4" name="標題 1"/>
+          <p:cNvSpPr txBox="1">
+            <a:spLocks/>
+          </p:cNvSpPr>
+          <p:nvPr/>
+        </p:nvSpPr>
+        <p:spPr>
+          <a:xfrm>
+            <a:off x="0" y="764704"/>
+            <a:ext cx="9144000" cy="360040"/>
+          </a:xfrm>
+          <a:prstGeom prst="rect">
+            <a:avLst/>
+          </a:prstGeom>
+          <a:gradFill flip="none" rotWithShape="1">
+            <a:gsLst>
+              <a:gs pos="0">
+                <a:srgbClr val="00B0F0">
+                  <a:shade val="30000"/>
+                  <a:satMod val="115000"/>
+                </a:srgbClr>
+              </a:gs>
+              <a:gs pos="50000">
+                <a:srgbClr val="00B0F0">
+                  <a:shade val="67500"/>
+                  <a:satMod val="115000"/>
+                </a:srgbClr>
+              </a:gs>
+              <a:gs pos="100000">
+                <a:srgbClr val="00B0F0">
+                  <a:shade val="100000"/>
+                  <a:satMod val="115000"/>
+                </a:srgbClr>
+              </a:gs>
+            </a:gsLst>
+            <a:path path="circle">
+              <a:fillToRect t="100000" r="100000"/>
+            </a:path>
+            <a:tileRect l="-100000" b="-100000"/>
+          </a:gradFill>
+        </p:spPr>
+        <p:txBody>
+          <a:bodyPr vert="horz" lIns="91440" tIns="45720" rIns="91440" bIns="45720" rtlCol="0" anchor="ctr">
+            <a:normAutofit/>
+          </a:bodyPr>
+          <a:lstStyle/>
+          <a:p>
+            <a:pPr lvl="0">
+              <a:spcBef>
+                <a:spcPct val="0"/>
+              </a:spcBef>
+            </a:pPr>
+            <a:r>
+              <a:rPr lang="en-US" sz="1600" dirty="0">
+                <a:hlinkClick r:id="rId3"/>
+              </a:rPr>
+              <a:t>https://colab.research.google.com/drive/16jcaJoc6bCFAQ96jDe2HwtXj7BMD_-m5#scrollTo=QHnVupBBn9eR</a:t>
+            </a:r>
+            <a:endParaRPr kumimoji="0" lang="zh-TW" altLang="en-US" sz="1600" b="0" i="0" u="none" strike="noStrike" kern="1200" cap="none" spc="0" normalizeH="0" baseline="0" noProof="0" dirty="0">
+              <a:ln>
+                <a:noFill/>
+              </a:ln>
+              <a:solidFill>
+                <a:schemeClr val="tx1"/>
+              </a:solidFill>
+              <a:effectLst/>
+              <a:uLnTx/>
+              <a:uFillTx/>
+              <a:latin typeface="+mj-lt"/>
+              <a:ea typeface="+mj-ea"/>
+              <a:cs typeface="+mj-cs"/>
+            </a:endParaRPr>
+          </a:p>
+        </p:txBody>
+      </p:sp>
+      <p:sp>
+        <p:nvSpPr>
+          <p:cNvPr id="5" name="日期版面配置區 4"/>
+          <p:cNvSpPr>
+            <a:spLocks noGrp="1"/>
+          </p:cNvSpPr>
+          <p:nvPr>
+            <p:ph type="dt" sz="half" idx="10"/>
+          </p:nvPr>
+        </p:nvSpPr>
+        <p:spPr/>
+        <p:txBody>
+          <a:bodyPr/>
+          <a:lstStyle/>
+          <a:p>
+            <a:fld id="{A4F910E6-8D00-4BAF-8C48-9688E0B449D3}" type="datetime1">
+              <a:rPr lang="zh-TW" altLang="en-US" smtClean="0"/>
+              <a:pPr/>
+              <a:t>2020/5/14</a:t>
+            </a:fld>
+            <a:endParaRPr lang="zh-TW" altLang="en-US"/>
+          </a:p>
+        </p:txBody>
+      </p:sp>
+      <p:sp>
+        <p:nvSpPr>
+          <p:cNvPr id="6" name="投影片編號版面配置區 5"/>
+          <p:cNvSpPr>
+            <a:spLocks noGrp="1"/>
+          </p:cNvSpPr>
+          <p:nvPr>
+            <p:ph type="sldNum" sz="quarter" idx="12"/>
+          </p:nvPr>
+        </p:nvSpPr>
+        <p:spPr/>
+        <p:txBody>
+          <a:bodyPr/>
+          <a:lstStyle/>
+          <a:p>
+            <a:fld id="{E4D7E63D-91F2-4366-A2C4-1B00C9E2590E}" type="slidenum">
+              <a:rPr lang="zh-TW" altLang="en-US" smtClean="0"/>
+              <a:pPr/>
+              <a:t>6</a:t>
+            </a:fld>
+            <a:endParaRPr lang="zh-TW" altLang="en-US"/>
+          </a:p>
+        </p:txBody>
+      </p:sp>
+    </p:spTree>
+    <p:extLst>
+      <p:ext uri="{BB962C8B-B14F-4D97-AF65-F5344CB8AC3E}">
+        <p14:creationId xmlns:p14="http://schemas.microsoft.com/office/powerpoint/2010/main" val="987816732"/>
+      </p:ext>
+    </p:extLst>
+  </p:cSld>
+  <p:clrMapOvr>
+    <a:masterClrMapping/>
+  </p:clrMapOvr>
+</p:sld>
+</file>
+
+<file path=ppt/slides/slide7.xml><?xml version="1.0" encoding="utf-8"?>
+<p:sld xmlns:a="http://schemas.openxmlformats.org/drawingml/2006/main" xmlns:r="http://schemas.openxmlformats.org/officeDocument/2006/relationships" xmlns:p="http://schemas.openxmlformats.org/presentationml/2006/main">
+  <p:cSld>
+    <p:spTree>
+      <p:nvGrpSpPr>
+        <p:cNvPr id="1" name=""/>
+        <p:cNvGrpSpPr/>
+        <p:nvPr/>
+      </p:nvGrpSpPr>
+      <p:grpSpPr>
+        <a:xfrm>
+          <a:off x="0" y="0"/>
+          <a:ext cx="0" cy="0"/>
+          <a:chOff x="0" y="0"/>
+          <a:chExt cx="0" cy="0"/>
+        </a:xfrm>
+      </p:grpSpPr>
+      <p:sp>
+        <p:nvSpPr>
+          <p:cNvPr id="2" name="標題 1"/>
+          <p:cNvSpPr>
+            <a:spLocks noGrp="1"/>
+          </p:cNvSpPr>
+          <p:nvPr>
+            <p:ph type="ctrTitle"/>
+          </p:nvPr>
+        </p:nvSpPr>
+        <p:spPr>
+          <a:xfrm>
             <a:off x="0" y="2130425"/>
             <a:ext cx="9144000" cy="1470025"/>
           </a:xfrm>
@@ -4595,7 +5633,7 @@
             <a:fld id="{E4D7E63D-91F2-4366-A2C4-1B00C9E2590E}" type="slidenum">
               <a:rPr lang="zh-TW" altLang="en-US" smtClean="0"/>
               <a:pPr/>
-              <a:t>4</a:t>
+              <a:t>7</a:t>
             </a:fld>
             <a:endParaRPr lang="zh-TW" altLang="en-US"/>
           </a:p>

--- a/05_Implement.pptx
+++ b/05_Implement.pptx
@@ -5,16 +5,20 @@
     <p:sldMasterId id="2147483648" r:id="rId1"/>
   </p:sldMasterIdLst>
   <p:notesMasterIdLst>
-    <p:notesMasterId r:id="rId9"/>
+    <p:notesMasterId r:id="rId13"/>
   </p:notesMasterIdLst>
   <p:sldIdLst>
     <p:sldId id="270" r:id="rId2"/>
     <p:sldId id="282" r:id="rId3"/>
-    <p:sldId id="280" r:id="rId4"/>
-    <p:sldId id="281" r:id="rId5"/>
-    <p:sldId id="283" r:id="rId6"/>
-    <p:sldId id="284" r:id="rId7"/>
-    <p:sldId id="259" r:id="rId8"/>
+    <p:sldId id="288" r:id="rId4"/>
+    <p:sldId id="285" r:id="rId5"/>
+    <p:sldId id="280" r:id="rId6"/>
+    <p:sldId id="281" r:id="rId7"/>
+    <p:sldId id="287" r:id="rId8"/>
+    <p:sldId id="286" r:id="rId9"/>
+    <p:sldId id="283" r:id="rId10"/>
+    <p:sldId id="284" r:id="rId11"/>
+    <p:sldId id="259" r:id="rId12"/>
   </p:sldIdLst>
   <p:sldSz cx="9144000" cy="6858000" type="screen4x3"/>
   <p:notesSz cx="6858000" cy="9144000"/>
@@ -3590,7 +3594,7 @@
 </p:sld>
 </file>
 
-<file path=ppt/slides/slide2.xml><?xml version="1.0" encoding="utf-8"?>
+<file path=ppt/slides/slide10.xml><?xml version="1.0" encoding="utf-8"?>
 <p:sld xmlns:a="http://schemas.openxmlformats.org/drawingml/2006/main" xmlns:r="http://schemas.openxmlformats.org/officeDocument/2006/relationships" xmlns:p="http://schemas.openxmlformats.org/presentationml/2006/main">
   <p:cSld>
     <p:spTree>
@@ -3684,8 +3688,8 @@
         </p:nvSpPr>
         <p:spPr>
           <a:xfrm>
-            <a:off x="467544" y="1268758"/>
-            <a:ext cx="8352928" cy="2347329"/>
+            <a:off x="467544" y="1268759"/>
+            <a:ext cx="8352928" cy="1423540"/>
           </a:xfrm>
           <a:ln>
             <a:solidFill>
@@ -3708,12 +3712,12 @@
               <a:buChar char="u"/>
             </a:pPr>
             <a:r>
-              <a:rPr lang="en-US" sz="1200" dirty="0">
+              <a:rPr lang="en-US" sz="1800" dirty="0">
                 <a:hlinkClick r:id="rId2"/>
               </a:rPr>
-              <a:t>https://colab.research.google.com/drive/16jcaJoc6bCFAQ96jDe2HwtXj7BMD_-m5#scrollTo=QHnVupBBn9eR</a:t>
-            </a:r>
-            <a:endParaRPr lang="en-US" sz="1200" dirty="0"/>
+              <a:t>https://github.com/facebookresearch/detectron2/blob/master/INSTALL.md</a:t>
+            </a:r>
+            <a:endParaRPr lang="en-US" sz="1800" dirty="0"/>
           </a:p>
           <a:p>
             <a:pPr marL="342900" indent="-342900" algn="l">
@@ -3725,12 +3729,12 @@
               <a:buChar char="u"/>
             </a:pPr>
             <a:r>
-              <a:rPr lang="en-US" sz="1400" dirty="0">
+              <a:rPr lang="en-US" sz="1800" dirty="0">
                 <a:solidFill>
                   <a:schemeClr val="tx1"/>
                 </a:solidFill>
               </a:rPr>
-              <a:t>Open anaconda command prompt:</a:t>
+              <a:t>9:56/1:07:20</a:t>
             </a:r>
           </a:p>
           <a:p>
@@ -3743,12 +3747,13 @@
               <a:buChar char="u"/>
             </a:pPr>
             <a:r>
-              <a:rPr lang="en-US" sz="1400" dirty="0">
-                <a:solidFill>
-                  <a:schemeClr val="tx1"/>
-                </a:solidFill>
-              </a:rPr>
-              <a:t>Error below:</a:t>
+              <a:rPr lang="en-US" altLang="en-US" sz="1800" dirty="0">
+                <a:solidFill>
+                  <a:srgbClr val="24292E"/>
+                </a:solidFill>
+                <a:latin typeface="SFMono-Regular"/>
+              </a:rPr>
+              <a:t>&gt; git clone https://github.com/facebookresearch/detectron2.git </a:t>
             </a:r>
           </a:p>
           <a:p>
@@ -3761,77 +3766,28 @@
               <a:buChar char="u"/>
             </a:pPr>
             <a:r>
-              <a:rPr lang="en-US" sz="1400" dirty="0">
+              <a:rPr lang="en-US" altLang="en-US" sz="1800" dirty="0">
+                <a:solidFill>
+                  <a:srgbClr val="24292E"/>
+                </a:solidFill>
+                <a:latin typeface="SFMono-Regular"/>
+              </a:rPr>
+              <a:t>&gt; python -m pip install -e detectron2</a:t>
+            </a:r>
+            <a:r>
+              <a:rPr lang="en-US" altLang="en-US" sz="800" dirty="0">
                 <a:solidFill>
                   <a:schemeClr val="tx1"/>
                 </a:solidFill>
               </a:rPr>
-              <a:t>&gt; pip install -U '</a:t>
-            </a:r>
-            <a:r>
-              <a:rPr lang="en-US" sz="1400" dirty="0" err="1">
-                <a:solidFill>
-                  <a:schemeClr val="tx1"/>
-                </a:solidFill>
-              </a:rPr>
-              <a:t>git+https</a:t>
-            </a:r>
-            <a:r>
-              <a:rPr lang="en-US" sz="1400" dirty="0">
-                <a:solidFill>
-                  <a:schemeClr val="tx1"/>
-                </a:solidFill>
-              </a:rPr>
-              <a:t>://github.com/</a:t>
-            </a:r>
-            <a:r>
-              <a:rPr lang="en-US" sz="1400" dirty="0" err="1">
-                <a:solidFill>
-                  <a:schemeClr val="tx1"/>
-                </a:solidFill>
-              </a:rPr>
-              <a:t>cocodataset</a:t>
-            </a:r>
-            <a:r>
-              <a:rPr lang="en-US" sz="1400" dirty="0">
-                <a:solidFill>
-                  <a:schemeClr val="tx1"/>
-                </a:solidFill>
-              </a:rPr>
-              <a:t>/</a:t>
-            </a:r>
-            <a:r>
-              <a:rPr lang="en-US" sz="1400" dirty="0" err="1">
-                <a:solidFill>
-                  <a:schemeClr val="tx1"/>
-                </a:solidFill>
-              </a:rPr>
-              <a:t>cocoapi.git#subdirectory</a:t>
-            </a:r>
-            <a:r>
-              <a:rPr lang="en-US" sz="1400" dirty="0">
-                <a:solidFill>
-                  <a:schemeClr val="tx1"/>
-                </a:solidFill>
-              </a:rPr>
-              <a:t>=</a:t>
-            </a:r>
-            <a:r>
-              <a:rPr lang="en-US" sz="1400" dirty="0" err="1">
-                <a:solidFill>
-                  <a:schemeClr val="tx1"/>
-                </a:solidFill>
-              </a:rPr>
-              <a:t>PythonAPI</a:t>
-            </a:r>
-            <a:r>
-              <a:rPr lang="en-US" sz="1400" dirty="0">
-                <a:solidFill>
-                  <a:schemeClr val="tx1"/>
-                </a:solidFill>
-              </a:rPr>
-              <a:t>’ </a:t>
-            </a:r>
+              <a:t> </a:t>
+            </a:r>
+            <a:endParaRPr lang="en-US" altLang="en-US" sz="4400" dirty="0">
+              <a:solidFill>
+                <a:schemeClr val="tx1"/>
+              </a:solidFill>
+              <a:latin typeface="Arial" panose="020B0604020202020204" pitchFamily="34" charset="0"/>
+            </a:endParaRPr>
           </a:p>
           <a:p>
             <a:pPr marL="342900" indent="-342900" algn="l">
@@ -3842,105 +3798,11 @@
               <a:buFont typeface="Wingdings" pitchFamily="2" charset="2"/>
               <a:buChar char="u"/>
             </a:pPr>
-            <a:r>
-              <a:rPr lang="en-US" sz="1400" dirty="0">
-                <a:solidFill>
-                  <a:schemeClr val="tx1"/>
-                </a:solidFill>
-              </a:rPr>
-              <a:t>How to install </a:t>
-            </a:r>
-            <a:r>
-              <a:rPr lang="en-US" sz="1400" dirty="0" err="1">
-                <a:solidFill>
-                  <a:schemeClr val="tx1"/>
-                </a:solidFill>
-              </a:rPr>
-              <a:t>cocodataset</a:t>
-            </a:r>
-            <a:r>
-              <a:rPr lang="en-US" sz="1400" dirty="0">
-                <a:solidFill>
-                  <a:schemeClr val="tx1"/>
-                </a:solidFill>
-              </a:rPr>
-              <a:t>?</a:t>
-            </a:r>
-          </a:p>
-          <a:p>
-            <a:pPr marL="342900" indent="-342900" algn="l">
-              <a:buClr>
-                <a:srgbClr val="0070C0"/>
-              </a:buClr>
-              <a:buSzPct val="80000"/>
-              <a:buFont typeface="Wingdings" pitchFamily="2" charset="2"/>
-              <a:buChar char="u"/>
-            </a:pPr>
-            <a:r>
-              <a:rPr lang="en-US" sz="1400" dirty="0">
-                <a:hlinkClick r:id="rId3"/>
-              </a:rPr>
-              <a:t>https://stackoverflow.com/questions/49311195/how-to-install-coco-pythonapi-in-python3</a:t>
-            </a:r>
-            <a:endParaRPr lang="en-US" sz="1400" dirty="0">
+            <a:endParaRPr lang="en-US" sz="1800" dirty="0">
               <a:solidFill>
                 <a:schemeClr val="tx1"/>
               </a:solidFill>
             </a:endParaRPr>
-          </a:p>
-          <a:p>
-            <a:pPr marL="342900" indent="-342900" algn="l">
-              <a:buClr>
-                <a:srgbClr val="0070C0"/>
-              </a:buClr>
-              <a:buSzPct val="80000"/>
-              <a:buFont typeface="Wingdings" pitchFamily="2" charset="2"/>
-              <a:buChar char="u"/>
-            </a:pPr>
-            <a:r>
-              <a:rPr lang="en-US" sz="1400" dirty="0">
-                <a:solidFill>
-                  <a:schemeClr val="tx1"/>
-                </a:solidFill>
-              </a:rPr>
-              <a:t>&gt; git clonehttp://github.com/cocodataset/cocoapt.giy</a:t>
-            </a:r>
-          </a:p>
-          <a:p>
-            <a:pPr marL="342900" indent="-342900" algn="l">
-              <a:buClr>
-                <a:srgbClr val="0070C0"/>
-              </a:buClr>
-              <a:buSzPct val="80000"/>
-              <a:buFont typeface="Wingdings" pitchFamily="2" charset="2"/>
-              <a:buChar char="u"/>
-            </a:pPr>
-            <a:r>
-              <a:rPr lang="en-US" sz="1400" dirty="0">
-                <a:solidFill>
-                  <a:schemeClr val="tx1"/>
-                </a:solidFill>
-              </a:rPr>
-              <a:t>&gt; 2to3 . –w</a:t>
-            </a:r>
-          </a:p>
-          <a:p>
-            <a:pPr marL="342900" indent="-342900" algn="l">
-              <a:buClr>
-                <a:srgbClr val="0070C0"/>
-              </a:buClr>
-              <a:buSzPct val="80000"/>
-              <a:buFont typeface="Wingdings" pitchFamily="2" charset="2"/>
-              <a:buChar char="u"/>
-            </a:pPr>
-            <a:r>
-              <a:rPr lang="en-US" sz="1400" dirty="0">
-                <a:solidFill>
-                  <a:schemeClr val="tx1"/>
-                </a:solidFill>
-              </a:rPr>
-              <a:t>&gt; python3 setup.py install</a:t>
-            </a:r>
           </a:p>
         </p:txBody>
       </p:sp>
@@ -4000,7 +3862,7 @@
             </a:pPr>
             <a:r>
               <a:rPr lang="en-US" sz="1600" dirty="0">
-                <a:hlinkClick r:id="rId2"/>
+                <a:hlinkClick r:id="rId3"/>
               </a:rPr>
               <a:t>https://colab.research.google.com/drive/16jcaJoc6bCFAQ96jDe2HwtXj7BMD_-m5#scrollTo=QHnVupBBn9eR</a:t>
             </a:r>
@@ -4063,51 +3925,16 @@
             <a:fld id="{E4D7E63D-91F2-4366-A2C4-1B00C9E2590E}" type="slidenum">
               <a:rPr lang="zh-TW" altLang="en-US" smtClean="0"/>
               <a:pPr/>
-              <a:t>2</a:t>
+              <a:t>10</a:t>
             </a:fld>
             <a:endParaRPr lang="zh-TW" altLang="en-US"/>
           </a:p>
         </p:txBody>
       </p:sp>
-      <p:pic>
-        <p:nvPicPr>
-          <p:cNvPr id="8" name="Picture 7">
-            <a:extLst>
-              <a:ext uri="{FF2B5EF4-FFF2-40B4-BE49-F238E27FC236}">
-                <a16:creationId xmlns:a16="http://schemas.microsoft.com/office/drawing/2014/main" id="{91684D66-7DC5-4E1E-AAD1-8C272F649C9A}"/>
-              </a:ext>
-            </a:extLst>
-          </p:cNvPr>
-          <p:cNvPicPr>
-            <a:picLocks noChangeAspect="1"/>
-          </p:cNvPicPr>
-          <p:nvPr/>
-        </p:nvPicPr>
-        <p:blipFill>
-          <a:blip r:embed="rId4"/>
-          <a:stretch>
-            <a:fillRect/>
-          </a:stretch>
-        </p:blipFill>
-        <p:spPr>
-          <a:xfrm>
-            <a:off x="777280" y="3760101"/>
-            <a:ext cx="7909520" cy="2173484"/>
-          </a:xfrm>
-          <a:prstGeom prst="rect">
-            <a:avLst/>
-          </a:prstGeom>
-          <a:ln>
-            <a:solidFill>
-              <a:srgbClr val="C00000"/>
-            </a:solidFill>
-          </a:ln>
-        </p:spPr>
-      </p:pic>
     </p:spTree>
     <p:extLst>
       <p:ext uri="{BB962C8B-B14F-4D97-AF65-F5344CB8AC3E}">
-        <p14:creationId xmlns:p14="http://schemas.microsoft.com/office/powerpoint/2010/main" val="3100401371"/>
+        <p14:creationId xmlns:p14="http://schemas.microsoft.com/office/powerpoint/2010/main" val="987816732"/>
       </p:ext>
     </p:extLst>
   </p:cSld>
@@ -4117,7 +3944,144 @@
 </p:sld>
 </file>
 
-<file path=ppt/slides/slide3.xml><?xml version="1.0" encoding="utf-8"?>
+<file path=ppt/slides/slide11.xml><?xml version="1.0" encoding="utf-8"?>
+<p:sld xmlns:a="http://schemas.openxmlformats.org/drawingml/2006/main" xmlns:r="http://schemas.openxmlformats.org/officeDocument/2006/relationships" xmlns:p="http://schemas.openxmlformats.org/presentationml/2006/main">
+  <p:cSld>
+    <p:spTree>
+      <p:nvGrpSpPr>
+        <p:cNvPr id="1" name=""/>
+        <p:cNvGrpSpPr/>
+        <p:nvPr/>
+      </p:nvGrpSpPr>
+      <p:grpSpPr>
+        <a:xfrm>
+          <a:off x="0" y="0"/>
+          <a:ext cx="0" cy="0"/>
+          <a:chOff x="0" y="0"/>
+          <a:chExt cx="0" cy="0"/>
+        </a:xfrm>
+      </p:grpSpPr>
+      <p:sp>
+        <p:nvSpPr>
+          <p:cNvPr id="2" name="標題 1"/>
+          <p:cNvSpPr>
+            <a:spLocks noGrp="1"/>
+          </p:cNvSpPr>
+          <p:nvPr>
+            <p:ph type="ctrTitle"/>
+          </p:nvPr>
+        </p:nvSpPr>
+        <p:spPr>
+          <a:xfrm>
+            <a:off x="0" y="2130425"/>
+            <a:ext cx="9144000" cy="1470025"/>
+          </a:xfrm>
+          <a:gradFill flip="none" rotWithShape="1">
+            <a:gsLst>
+              <a:gs pos="0">
+                <a:srgbClr val="00B0F0">
+                  <a:shade val="30000"/>
+                  <a:satMod val="115000"/>
+                </a:srgbClr>
+              </a:gs>
+              <a:gs pos="50000">
+                <a:srgbClr val="00B0F0">
+                  <a:shade val="67500"/>
+                  <a:satMod val="115000"/>
+                </a:srgbClr>
+              </a:gs>
+              <a:gs pos="100000">
+                <a:srgbClr val="00B0F0">
+                  <a:shade val="100000"/>
+                  <a:satMod val="115000"/>
+                </a:srgbClr>
+              </a:gs>
+            </a:gsLst>
+            <a:path path="circle">
+              <a:fillToRect t="100000" r="100000"/>
+            </a:path>
+            <a:tileRect l="-100000" b="-100000"/>
+          </a:gradFill>
+        </p:spPr>
+        <p:txBody>
+          <a:bodyPr>
+            <a:normAutofit/>
+          </a:bodyPr>
+          <a:lstStyle/>
+          <a:p>
+            <a:r>
+              <a:rPr lang="en-US" altLang="zh-TW" sz="6000" b="1" dirty="0">
+                <a:solidFill>
+                  <a:srgbClr val="FFFF00"/>
+                </a:solidFill>
+              </a:rPr>
+              <a:t>End of Chapter</a:t>
+            </a:r>
+            <a:endParaRPr lang="zh-TW" altLang="en-US" sz="6000" b="1" dirty="0">
+              <a:solidFill>
+                <a:srgbClr val="FFFF00"/>
+              </a:solidFill>
+            </a:endParaRPr>
+          </a:p>
+        </p:txBody>
+      </p:sp>
+      <p:sp>
+        <p:nvSpPr>
+          <p:cNvPr id="5" name="日期版面配置區 4"/>
+          <p:cNvSpPr>
+            <a:spLocks noGrp="1"/>
+          </p:cNvSpPr>
+          <p:nvPr>
+            <p:ph type="dt" sz="half" idx="10"/>
+          </p:nvPr>
+        </p:nvSpPr>
+        <p:spPr/>
+        <p:txBody>
+          <a:bodyPr/>
+          <a:lstStyle/>
+          <a:p>
+            <a:fld id="{4E46BE27-E923-4EC2-B046-3272AE2A3E5C}" type="datetime1">
+              <a:rPr lang="zh-TW" altLang="en-US" smtClean="0"/>
+              <a:pPr/>
+              <a:t>2020/5/14</a:t>
+            </a:fld>
+            <a:endParaRPr lang="zh-TW" altLang="en-US"/>
+          </a:p>
+        </p:txBody>
+      </p:sp>
+      <p:sp>
+        <p:nvSpPr>
+          <p:cNvPr id="6" name="投影片編號版面配置區 5"/>
+          <p:cNvSpPr>
+            <a:spLocks noGrp="1"/>
+          </p:cNvSpPr>
+          <p:nvPr>
+            <p:ph type="sldNum" sz="quarter" idx="12"/>
+          </p:nvPr>
+        </p:nvSpPr>
+        <p:spPr/>
+        <p:txBody>
+          <a:bodyPr/>
+          <a:lstStyle/>
+          <a:p>
+            <a:fld id="{E4D7E63D-91F2-4366-A2C4-1B00C9E2590E}" type="slidenum">
+              <a:rPr lang="zh-TW" altLang="en-US" smtClean="0"/>
+              <a:pPr/>
+              <a:t>11</a:t>
+            </a:fld>
+            <a:endParaRPr lang="zh-TW" altLang="en-US"/>
+          </a:p>
+        </p:txBody>
+      </p:sp>
+    </p:spTree>
+  </p:cSld>
+  <p:clrMapOvr>
+    <a:masterClrMapping/>
+  </p:clrMapOvr>
+</p:sld>
+</file>
+
+<file path=ppt/slides/slide2.xml><?xml version="1.0" encoding="utf-8"?>
 <p:sld xmlns:a="http://schemas.openxmlformats.org/drawingml/2006/main" xmlns:r="http://schemas.openxmlformats.org/officeDocument/2006/relationships" xmlns:p="http://schemas.openxmlformats.org/presentationml/2006/main">
   <p:cSld>
     <p:spTree>
@@ -4212,7 +4176,7 @@
         <p:spPr>
           <a:xfrm>
             <a:off x="467544" y="1268759"/>
-            <a:ext cx="8352928" cy="1008113"/>
+            <a:ext cx="8352928" cy="2376265"/>
           </a:xfrm>
           <a:ln>
             <a:solidFill>
@@ -4236,11 +4200,12 @@
             </a:pPr>
             <a:r>
               <a:rPr lang="en-US" sz="1800" dirty="0">
-                <a:hlinkClick r:id="rId2"/>
-              </a:rPr>
-              <a:t>https://colab.research.google.com/drive/16jcaJoc6bCFAQ96jDe2HwtXj7BMD_-m5#scrollTo=QHnVupBBn9eR</a:t>
-            </a:r>
-            <a:endParaRPr lang="en-US" sz="1800" dirty="0"/>
+                <a:solidFill>
+                  <a:schemeClr val="tx1"/>
+                </a:solidFill>
+              </a:rPr>
+              <a:t>Facebook does not support Detectron2 installation on Windows.</a:t>
+            </a:r>
           </a:p>
           <a:p>
             <a:pPr marL="342900" indent="-342900" algn="l">
@@ -4253,12 +4218,11 @@
             </a:pPr>
             <a:r>
               <a:rPr lang="en-US" sz="1800" dirty="0">
-                <a:solidFill>
-                  <a:schemeClr val="tx1"/>
-                </a:solidFill>
-              </a:rPr>
-              <a:t>Print torch version (1.5.0)</a:t>
-            </a:r>
+                <a:hlinkClick r:id="rId2"/>
+              </a:rPr>
+              <a:t>https://github.com/facebookresearch/detectron2/issues/9</a:t>
+            </a:r>
+            <a:endParaRPr lang="en-US" sz="1800" dirty="0"/>
           </a:p>
           <a:p>
             <a:pPr marL="342900" indent="-342900" algn="l">
@@ -4269,11 +4233,67 @@
               <a:buFont typeface="Wingdings" pitchFamily="2" charset="2"/>
               <a:buChar char="u"/>
             </a:pPr>
-            <a:endParaRPr lang="en-US" sz="1800" dirty="0">
-              <a:solidFill>
-                <a:schemeClr val="tx1"/>
-              </a:solidFill>
-            </a:endParaRPr>
+            <a:r>
+              <a:rPr lang="en-US" sz="1800" dirty="0">
+                <a:solidFill>
+                  <a:schemeClr val="tx1"/>
+                </a:solidFill>
+              </a:rPr>
+              <a:t>There is complicated solution: </a:t>
+            </a:r>
+          </a:p>
+          <a:p>
+            <a:pPr marL="342900" indent="-342900" algn="l">
+              <a:buClr>
+                <a:srgbClr val="0070C0"/>
+              </a:buClr>
+              <a:buSzPct val="80000"/>
+              <a:buFont typeface="Wingdings" pitchFamily="2" charset="2"/>
+              <a:buChar char="u"/>
+            </a:pPr>
+            <a:r>
+              <a:rPr lang="en-US" sz="1800" dirty="0">
+                <a:hlinkClick r:id="rId3"/>
+              </a:rPr>
+              <a:t>https://github.com/facebookresearch/maskrcnn-benchmark/pull/741</a:t>
+            </a:r>
+            <a:endParaRPr lang="en-US" sz="1800" dirty="0"/>
+          </a:p>
+          <a:p>
+            <a:pPr marL="342900" indent="-342900" algn="l">
+              <a:buClr>
+                <a:srgbClr val="0070C0"/>
+              </a:buClr>
+              <a:buSzPct val="80000"/>
+              <a:buFont typeface="Wingdings" pitchFamily="2" charset="2"/>
+              <a:buChar char="u"/>
+            </a:pPr>
+            <a:r>
+              <a:rPr lang="en-US" sz="1800" dirty="0">
+                <a:solidFill>
+                  <a:schemeClr val="tx1"/>
+                </a:solidFill>
+              </a:rPr>
+              <a:t>Below that I tried on window and cannot resolve the problem during the compilation.</a:t>
+            </a:r>
+          </a:p>
+          <a:p>
+            <a:pPr marL="342900" indent="-342900" algn="l">
+              <a:buClr>
+                <a:srgbClr val="0070C0"/>
+              </a:buClr>
+              <a:buSzPct val="80000"/>
+              <a:buFont typeface="Wingdings" pitchFamily="2" charset="2"/>
+              <a:buChar char="u"/>
+            </a:pPr>
+            <a:r>
+              <a:rPr lang="en-US" sz="1800" dirty="0">
+                <a:solidFill>
+                  <a:schemeClr val="tx1"/>
+                </a:solidFill>
+              </a:rPr>
+              <a:t>It is easier to compile detectron 2 under the Ubuntu.</a:t>
+            </a:r>
           </a:p>
         </p:txBody>
       </p:sp>
@@ -4333,7 +4353,7 @@
             </a:pPr>
             <a:r>
               <a:rPr lang="en-US" sz="1600" dirty="0">
-                <a:hlinkClick r:id="rId2"/>
+                <a:hlinkClick r:id="rId4"/>
               </a:rPr>
               <a:t>https://colab.research.google.com/drive/16jcaJoc6bCFAQ96jDe2HwtXj7BMD_-m5#scrollTo=QHnVupBBn9eR</a:t>
             </a:r>
@@ -4396,7 +4416,1741 @@
             <a:fld id="{E4D7E63D-91F2-4366-A2C4-1B00C9E2590E}" type="slidenum">
               <a:rPr lang="zh-TW" altLang="en-US" smtClean="0"/>
               <a:pPr/>
+              <a:t>2</a:t>
+            </a:fld>
+            <a:endParaRPr lang="zh-TW" altLang="en-US"/>
+          </a:p>
+        </p:txBody>
+      </p:sp>
+      <p:sp>
+        <p:nvSpPr>
+          <p:cNvPr id="7" name="Rectangle 1">
+            <a:extLst>
+              <a:ext uri="{FF2B5EF4-FFF2-40B4-BE49-F238E27FC236}">
+                <a16:creationId xmlns:a16="http://schemas.microsoft.com/office/drawing/2014/main" id="{146072AD-425E-40A8-9663-B3F58C852D8E}"/>
+              </a:ext>
+            </a:extLst>
+          </p:cNvPr>
+          <p:cNvSpPr>
+            <a:spLocks noChangeArrowheads="1"/>
+          </p:cNvSpPr>
+          <p:nvPr/>
+        </p:nvSpPr>
+        <p:spPr bwMode="auto">
+          <a:xfrm>
+            <a:off x="0" y="0"/>
+            <a:ext cx="9144000" cy="0"/>
+          </a:xfrm>
+          <a:prstGeom prst="rect">
+            <a:avLst/>
+          </a:prstGeom>
+          <a:solidFill>
+            <a:srgbClr val="FFFFFF"/>
+          </a:solidFill>
+          <a:ln>
+            <a:noFill/>
+          </a:ln>
+          <a:effectLst/>
+          <a:extLst>
+            <a:ext uri="{91240B29-F687-4F45-9708-019B960494DF}">
+              <a14:hiddenLine xmlns:a14="http://schemas.microsoft.com/office/drawing/2010/main" w="9525">
+                <a:solidFill>
+                  <a:schemeClr val="tx1"/>
+                </a:solidFill>
+                <a:miter lim="800000"/>
+                <a:headEnd/>
+                <a:tailEnd/>
+              </a14:hiddenLine>
+            </a:ext>
+            <a:ext uri="{AF507438-7753-43E0-B8FC-AC1667EBCBE1}">
+              <a14:hiddenEffects xmlns:a14="http://schemas.microsoft.com/office/drawing/2010/main">
+                <a:effectLst>
+                  <a:outerShdw dist="35921" dir="2700000" algn="ctr" rotWithShape="0">
+                    <a:schemeClr val="bg2"/>
+                  </a:outerShdw>
+                </a:effectLst>
+              </a14:hiddenEffects>
+            </a:ext>
+          </a:extLst>
+        </p:spPr>
+        <p:txBody>
+          <a:bodyPr vert="horz" wrap="none" lIns="0" tIns="0" rIns="0" bIns="0" numCol="1" anchor="ctr" anchorCtr="0" compatLnSpc="1">
+            <a:prstTxWarp prst="textNoShape">
+              <a:avLst/>
+            </a:prstTxWarp>
+            <a:spAutoFit/>
+          </a:bodyPr>
+          <a:lstStyle/>
+          <a:p>
+            <a:pPr marL="0" marR="0" lvl="0" indent="0" algn="l" defTabSz="914400" rtl="0" eaLnBrk="0" fontAlgn="base" latinLnBrk="0" hangingPunct="0">
+              <a:lnSpc>
+                <a:spcPct val="100000"/>
+              </a:lnSpc>
+              <a:spcBef>
+                <a:spcPct val="0"/>
+              </a:spcBef>
+              <a:spcAft>
+                <a:spcPct val="0"/>
+              </a:spcAft>
+              <a:buClrTx/>
+              <a:buSzTx/>
+              <a:buFontTx/>
+              <a:buNone/>
+              <a:tabLst/>
+            </a:pPr>
+            <a:endParaRPr kumimoji="0" lang="en-US" altLang="en-US" sz="1800" b="0" i="0" u="none" strike="noStrike" cap="none" normalizeH="0" baseline="0">
+              <a:ln>
+                <a:noFill/>
+              </a:ln>
+              <a:solidFill>
+                <a:schemeClr val="tx1"/>
+              </a:solidFill>
+              <a:effectLst/>
+              <a:latin typeface="Arial" panose="020B0604020202020204" pitchFamily="34" charset="0"/>
+            </a:endParaRPr>
+          </a:p>
+          <a:p>
+            <a:pPr marL="0" marR="0" lvl="0" indent="0" algn="l" defTabSz="914400" rtl="0" eaLnBrk="0" fontAlgn="base" latinLnBrk="0" hangingPunct="0">
+              <a:lnSpc>
+                <a:spcPct val="100000"/>
+              </a:lnSpc>
+              <a:spcBef>
+                <a:spcPct val="0"/>
+              </a:spcBef>
+              <a:spcAft>
+                <a:spcPct val="0"/>
+              </a:spcAft>
+              <a:buClrTx/>
+              <a:buSzTx/>
+              <a:buFontTx/>
+              <a:buAutoNum type="arabicPeriod"/>
+              <a:tabLst/>
+            </a:pPr>
+            <a:r>
+              <a:rPr kumimoji="0" lang="en-US" altLang="en-US" sz="900" b="0" i="0" u="none" strike="noStrike" cap="none" normalizeH="0" baseline="0">
+                <a:ln>
+                  <a:noFill/>
+                </a:ln>
+                <a:solidFill>
+                  <a:srgbClr val="242729"/>
+                </a:solidFill>
+                <a:effectLst/>
+                <a:latin typeface="Consolas" panose="020B0609020204030204" pitchFamily="49" charset="0"/>
+                <a:cs typeface="Arial" panose="020B0604020202020204" pitchFamily="34" charset="0"/>
+              </a:rPr>
+              <a:t>pip install git+https://github.com/philferriere/cocoapi.git#subdirectory=PythonAPI</a:t>
+            </a:r>
+            <a:endParaRPr kumimoji="0" lang="en-US" altLang="en-US" sz="1100" b="0" i="0" u="none" strike="noStrike" cap="none" normalizeH="0" baseline="0">
+              <a:ln>
+                <a:noFill/>
+              </a:ln>
+              <a:solidFill>
+                <a:srgbClr val="242729"/>
+              </a:solidFill>
+              <a:effectLst/>
+              <a:latin typeface="inherit"/>
+              <a:cs typeface="Arial" panose="020B0604020202020204" pitchFamily="34" charset="0"/>
+            </a:endParaRPr>
+          </a:p>
+          <a:p>
+            <a:pPr marL="0" marR="0" lvl="0" indent="0" algn="l" defTabSz="914400" rtl="0" eaLnBrk="0" fontAlgn="base" latinLnBrk="0" hangingPunct="0">
+              <a:lnSpc>
+                <a:spcPct val="100000"/>
+              </a:lnSpc>
+              <a:spcBef>
+                <a:spcPct val="0"/>
+              </a:spcBef>
+              <a:spcAft>
+                <a:spcPct val="0"/>
+              </a:spcAft>
+              <a:buClrTx/>
+              <a:buSzTx/>
+              <a:buFontTx/>
+              <a:buAutoNum type="arabicPeriod" startAt="2"/>
+              <a:tabLst/>
+            </a:pPr>
+            <a:br>
+              <a:rPr kumimoji="0" lang="en-US" altLang="en-US" sz="600" b="0" i="0" u="none" strike="noStrike" cap="none" normalizeH="0" baseline="0">
+                <a:ln>
+                  <a:noFill/>
+                </a:ln>
+                <a:solidFill>
+                  <a:schemeClr val="tx1"/>
+                </a:solidFill>
+                <a:effectLst/>
+              </a:rPr>
+            </a:br>
+            <a:endParaRPr kumimoji="0" lang="en-US" altLang="en-US" sz="1800" b="0" i="0" u="none" strike="noStrike" cap="none" normalizeH="0" baseline="0">
+              <a:ln>
+                <a:noFill/>
+              </a:ln>
+              <a:solidFill>
+                <a:schemeClr val="tx1"/>
+              </a:solidFill>
+              <a:effectLst/>
+              <a:latin typeface="Arial" panose="020B0604020202020204" pitchFamily="34" charset="0"/>
+            </a:endParaRPr>
+          </a:p>
+        </p:txBody>
+      </p:sp>
+    </p:spTree>
+    <p:extLst>
+      <p:ext uri="{BB962C8B-B14F-4D97-AF65-F5344CB8AC3E}">
+        <p14:creationId xmlns:p14="http://schemas.microsoft.com/office/powerpoint/2010/main" val="3100401371"/>
+      </p:ext>
+    </p:extLst>
+  </p:cSld>
+  <p:clrMapOvr>
+    <a:masterClrMapping/>
+  </p:clrMapOvr>
+</p:sld>
+</file>
+
+<file path=ppt/slides/slide3.xml><?xml version="1.0" encoding="utf-8"?>
+<p:sld xmlns:a="http://schemas.openxmlformats.org/drawingml/2006/main" xmlns:r="http://schemas.openxmlformats.org/officeDocument/2006/relationships" xmlns:p="http://schemas.openxmlformats.org/presentationml/2006/main">
+  <p:cSld>
+    <p:spTree>
+      <p:nvGrpSpPr>
+        <p:cNvPr id="1" name=""/>
+        <p:cNvGrpSpPr/>
+        <p:nvPr/>
+      </p:nvGrpSpPr>
+      <p:grpSpPr>
+        <a:xfrm>
+          <a:off x="0" y="0"/>
+          <a:ext cx="0" cy="0"/>
+          <a:chOff x="0" y="0"/>
+          <a:chExt cx="0" cy="0"/>
+        </a:xfrm>
+      </p:grpSpPr>
+      <p:sp>
+        <p:nvSpPr>
+          <p:cNvPr id="2" name="標題 1"/>
+          <p:cNvSpPr>
+            <a:spLocks noGrp="1"/>
+          </p:cNvSpPr>
+          <p:nvPr>
+            <p:ph type="ctrTitle"/>
+          </p:nvPr>
+        </p:nvSpPr>
+        <p:spPr>
+          <a:xfrm>
+            <a:off x="0" y="1"/>
+            <a:ext cx="9144000" cy="764704"/>
+          </a:xfrm>
+          <a:gradFill flip="none" rotWithShape="1">
+            <a:gsLst>
+              <a:gs pos="0">
+                <a:srgbClr val="C00000">
+                  <a:shade val="30000"/>
+                  <a:satMod val="115000"/>
+                </a:srgbClr>
+              </a:gs>
+              <a:gs pos="50000">
+                <a:srgbClr val="C00000">
+                  <a:shade val="67500"/>
+                  <a:satMod val="115000"/>
+                </a:srgbClr>
+              </a:gs>
+              <a:gs pos="100000">
+                <a:srgbClr val="C00000">
+                  <a:shade val="100000"/>
+                  <a:satMod val="115000"/>
+                </a:srgbClr>
+              </a:gs>
+            </a:gsLst>
+            <a:path path="circle">
+              <a:fillToRect t="100000" r="100000"/>
+            </a:path>
+            <a:tileRect l="-100000" b="-100000"/>
+          </a:gradFill>
+        </p:spPr>
+        <p:txBody>
+          <a:bodyPr>
+            <a:normAutofit/>
+          </a:bodyPr>
+          <a:lstStyle/>
+          <a:p>
+            <a:pPr algn="l"/>
+            <a:r>
+              <a:rPr lang="en-US" altLang="zh-TW" b="1" dirty="0">
+                <a:solidFill>
+                  <a:srgbClr val="FFFF00"/>
+                </a:solidFill>
+              </a:rPr>
+              <a:t>5 Implement</a:t>
+            </a:r>
+            <a:endParaRPr lang="zh-TW" altLang="en-US" b="1" dirty="0">
+              <a:solidFill>
+                <a:srgbClr val="FFFF00"/>
+              </a:solidFill>
+            </a:endParaRPr>
+          </a:p>
+        </p:txBody>
+      </p:sp>
+      <p:sp>
+        <p:nvSpPr>
+          <p:cNvPr id="3" name="副標題 2"/>
+          <p:cNvSpPr>
+            <a:spLocks noGrp="1"/>
+          </p:cNvSpPr>
+          <p:nvPr>
+            <p:ph type="subTitle" idx="1"/>
+          </p:nvPr>
+        </p:nvSpPr>
+        <p:spPr>
+          <a:xfrm>
+            <a:off x="467544" y="1268759"/>
+            <a:ext cx="8352928" cy="1296145"/>
+          </a:xfrm>
+          <a:ln>
+            <a:solidFill>
+              <a:srgbClr val="C00000"/>
+            </a:solidFill>
+          </a:ln>
+        </p:spPr>
+        <p:txBody>
+          <a:bodyPr>
+            <a:noAutofit/>
+          </a:bodyPr>
+          <a:lstStyle/>
+          <a:p>
+            <a:pPr marL="342900" indent="-342900" algn="l">
+              <a:buClr>
+                <a:srgbClr val="0070C0"/>
+              </a:buClr>
+              <a:buSzPct val="80000"/>
+              <a:buFont typeface="Wingdings" pitchFamily="2" charset="2"/>
+              <a:buChar char="u"/>
+            </a:pPr>
+            <a:r>
+              <a:rPr lang="en-US" sz="1400" dirty="0">
+                <a:solidFill>
+                  <a:schemeClr val="tx1"/>
+                </a:solidFill>
+                <a:hlinkClick r:id="rId2">
+                  <a:extLst>
+                    <a:ext uri="{A12FA001-AC4F-418D-AE19-62706E023703}">
+                      <ahyp:hlinkClr xmlns:ahyp="http://schemas.microsoft.com/office/drawing/2018/hyperlinkcolor" val="tx"/>
+                    </a:ext>
+                  </a:extLst>
+                </a:hlinkClick>
+              </a:rPr>
+              <a:t>https://colab.research.google.com/drive/16jcaJoc6bCFAQ96jDe2HwtXj7BMD_-m5#scrollTo=QHnVupBBn9eR</a:t>
+            </a:r>
+            <a:endParaRPr lang="en-US" sz="1400" dirty="0">
+              <a:solidFill>
+                <a:schemeClr val="tx1"/>
+              </a:solidFill>
+            </a:endParaRPr>
+          </a:p>
+          <a:p>
+            <a:pPr marL="342900" indent="-342900" algn="l">
+              <a:buClr>
+                <a:srgbClr val="0070C0"/>
+              </a:buClr>
+              <a:buSzPct val="80000"/>
+              <a:buFont typeface="Wingdings" pitchFamily="2" charset="2"/>
+              <a:buChar char="u"/>
+            </a:pPr>
+            <a:r>
+              <a:rPr lang="en-US" sz="1400" dirty="0">
+                <a:solidFill>
+                  <a:schemeClr val="tx1"/>
+                </a:solidFill>
+              </a:rPr>
+              <a:t>Open anaconda command prompt:</a:t>
+            </a:r>
+          </a:p>
+          <a:p>
+            <a:pPr marL="342900" indent="-342900" algn="l">
+              <a:buClr>
+                <a:srgbClr val="0070C0"/>
+              </a:buClr>
+              <a:buSzPct val="80000"/>
+              <a:buFont typeface="Wingdings" pitchFamily="2" charset="2"/>
+              <a:buChar char="u"/>
+            </a:pPr>
+            <a:r>
+              <a:rPr lang="en-US" sz="1400" dirty="0">
+                <a:solidFill>
+                  <a:schemeClr val="tx1"/>
+                </a:solidFill>
+              </a:rPr>
+              <a:t>&gt; pip install -U torch==1.5 </a:t>
+            </a:r>
+            <a:r>
+              <a:rPr lang="en-US" sz="1400" dirty="0" err="1">
+                <a:solidFill>
+                  <a:schemeClr val="tx1"/>
+                </a:solidFill>
+              </a:rPr>
+              <a:t>torchvision</a:t>
+            </a:r>
+            <a:r>
+              <a:rPr lang="en-US" sz="1400" dirty="0">
+                <a:solidFill>
+                  <a:schemeClr val="tx1"/>
+                </a:solidFill>
+              </a:rPr>
+              <a:t>==0.6 -f https://download.pytorch.org/whl/cu101/torch_stable.html </a:t>
+            </a:r>
+          </a:p>
+          <a:p>
+            <a:pPr marL="342900" indent="-342900" algn="l">
+              <a:buClr>
+                <a:srgbClr val="0070C0"/>
+              </a:buClr>
+              <a:buSzPct val="80000"/>
+              <a:buFont typeface="Wingdings" pitchFamily="2" charset="2"/>
+              <a:buChar char="u"/>
+            </a:pPr>
+            <a:r>
+              <a:rPr lang="en-US" sz="1400" dirty="0">
+                <a:solidFill>
+                  <a:schemeClr val="tx1"/>
+                </a:solidFill>
+              </a:rPr>
+              <a:t>&gt; pip install </a:t>
+            </a:r>
+            <a:r>
+              <a:rPr lang="en-US" sz="1400" dirty="0" err="1">
+                <a:solidFill>
+                  <a:schemeClr val="tx1"/>
+                </a:solidFill>
+              </a:rPr>
+              <a:t>cython</a:t>
+            </a:r>
+            <a:r>
+              <a:rPr lang="en-US" sz="1400" dirty="0">
+                <a:solidFill>
+                  <a:schemeClr val="tx1"/>
+                </a:solidFill>
+              </a:rPr>
+              <a:t> </a:t>
+            </a:r>
+            <a:r>
+              <a:rPr lang="en-US" sz="1400" dirty="0" err="1">
+                <a:solidFill>
+                  <a:schemeClr val="tx1"/>
+                </a:solidFill>
+              </a:rPr>
+              <a:t>pyyaml</a:t>
+            </a:r>
+            <a:endParaRPr lang="en-US" sz="1400" dirty="0">
+              <a:solidFill>
+                <a:schemeClr val="tx1"/>
+              </a:solidFill>
+            </a:endParaRPr>
+          </a:p>
+        </p:txBody>
+      </p:sp>
+      <p:sp>
+        <p:nvSpPr>
+          <p:cNvPr id="4" name="標題 1"/>
+          <p:cNvSpPr txBox="1">
+            <a:spLocks/>
+          </p:cNvSpPr>
+          <p:nvPr/>
+        </p:nvSpPr>
+        <p:spPr>
+          <a:xfrm>
+            <a:off x="0" y="764704"/>
+            <a:ext cx="9144000" cy="360040"/>
+          </a:xfrm>
+          <a:prstGeom prst="rect">
+            <a:avLst/>
+          </a:prstGeom>
+          <a:gradFill flip="none" rotWithShape="1">
+            <a:gsLst>
+              <a:gs pos="0">
+                <a:srgbClr val="00B0F0">
+                  <a:shade val="30000"/>
+                  <a:satMod val="115000"/>
+                </a:srgbClr>
+              </a:gs>
+              <a:gs pos="50000">
+                <a:srgbClr val="00B0F0">
+                  <a:shade val="67500"/>
+                  <a:satMod val="115000"/>
+                </a:srgbClr>
+              </a:gs>
+              <a:gs pos="100000">
+                <a:srgbClr val="00B0F0">
+                  <a:shade val="100000"/>
+                  <a:satMod val="115000"/>
+                </a:srgbClr>
+              </a:gs>
+            </a:gsLst>
+            <a:path path="circle">
+              <a:fillToRect t="100000" r="100000"/>
+            </a:path>
+            <a:tileRect l="-100000" b="-100000"/>
+          </a:gradFill>
+        </p:spPr>
+        <p:txBody>
+          <a:bodyPr vert="horz" lIns="91440" tIns="45720" rIns="91440" bIns="45720" rtlCol="0" anchor="ctr">
+            <a:normAutofit/>
+          </a:bodyPr>
+          <a:lstStyle/>
+          <a:p>
+            <a:pPr lvl="0">
+              <a:spcBef>
+                <a:spcPct val="0"/>
+              </a:spcBef>
+            </a:pPr>
+            <a:r>
+              <a:rPr lang="en-US" sz="1600" dirty="0">
+                <a:hlinkClick r:id="rId2"/>
+              </a:rPr>
+              <a:t>https://colab.research.google.com/drive/16jcaJoc6bCFAQ96jDe2HwtXj7BMD_-m5#scrollTo=QHnVupBBn9eR</a:t>
+            </a:r>
+            <a:endParaRPr kumimoji="0" lang="zh-TW" altLang="en-US" sz="1600" b="0" i="0" u="none" strike="noStrike" kern="1200" cap="none" spc="0" normalizeH="0" baseline="0" noProof="0" dirty="0">
+              <a:ln>
+                <a:noFill/>
+              </a:ln>
+              <a:solidFill>
+                <a:schemeClr val="tx1"/>
+              </a:solidFill>
+              <a:effectLst/>
+              <a:uLnTx/>
+              <a:uFillTx/>
+              <a:latin typeface="+mj-lt"/>
+              <a:ea typeface="+mj-ea"/>
+              <a:cs typeface="+mj-cs"/>
+            </a:endParaRPr>
+          </a:p>
+        </p:txBody>
+      </p:sp>
+      <p:sp>
+        <p:nvSpPr>
+          <p:cNvPr id="5" name="日期版面配置區 4"/>
+          <p:cNvSpPr>
+            <a:spLocks noGrp="1"/>
+          </p:cNvSpPr>
+          <p:nvPr>
+            <p:ph type="dt" sz="half" idx="10"/>
+          </p:nvPr>
+        </p:nvSpPr>
+        <p:spPr/>
+        <p:txBody>
+          <a:bodyPr/>
+          <a:lstStyle/>
+          <a:p>
+            <a:fld id="{A4F910E6-8D00-4BAF-8C48-9688E0B449D3}" type="datetime1">
+              <a:rPr lang="zh-TW" altLang="en-US" smtClean="0"/>
+              <a:pPr/>
+              <a:t>2020/5/14</a:t>
+            </a:fld>
+            <a:endParaRPr lang="zh-TW" altLang="en-US"/>
+          </a:p>
+        </p:txBody>
+      </p:sp>
+      <p:sp>
+        <p:nvSpPr>
+          <p:cNvPr id="6" name="投影片編號版面配置區 5"/>
+          <p:cNvSpPr>
+            <a:spLocks noGrp="1"/>
+          </p:cNvSpPr>
+          <p:nvPr>
+            <p:ph type="sldNum" sz="quarter" idx="12"/>
+          </p:nvPr>
+        </p:nvSpPr>
+        <p:spPr/>
+        <p:txBody>
+          <a:bodyPr/>
+          <a:lstStyle/>
+          <a:p>
+            <a:fld id="{E4D7E63D-91F2-4366-A2C4-1B00C9E2590E}" type="slidenum">
+              <a:rPr lang="zh-TW" altLang="en-US" smtClean="0"/>
+              <a:pPr/>
               <a:t>3</a:t>
+            </a:fld>
+            <a:endParaRPr lang="zh-TW" altLang="en-US"/>
+          </a:p>
+        </p:txBody>
+      </p:sp>
+      <p:sp>
+        <p:nvSpPr>
+          <p:cNvPr id="7" name="Rectangle 1">
+            <a:extLst>
+              <a:ext uri="{FF2B5EF4-FFF2-40B4-BE49-F238E27FC236}">
+                <a16:creationId xmlns:a16="http://schemas.microsoft.com/office/drawing/2014/main" id="{146072AD-425E-40A8-9663-B3F58C852D8E}"/>
+              </a:ext>
+            </a:extLst>
+          </p:cNvPr>
+          <p:cNvSpPr>
+            <a:spLocks noChangeArrowheads="1"/>
+          </p:cNvSpPr>
+          <p:nvPr/>
+        </p:nvSpPr>
+        <p:spPr bwMode="auto">
+          <a:xfrm>
+            <a:off x="0" y="0"/>
+            <a:ext cx="9144000" cy="0"/>
+          </a:xfrm>
+          <a:prstGeom prst="rect">
+            <a:avLst/>
+          </a:prstGeom>
+          <a:solidFill>
+            <a:srgbClr val="FFFFFF"/>
+          </a:solidFill>
+          <a:ln>
+            <a:noFill/>
+          </a:ln>
+          <a:effectLst/>
+          <a:extLst>
+            <a:ext uri="{91240B29-F687-4F45-9708-019B960494DF}">
+              <a14:hiddenLine xmlns:a14="http://schemas.microsoft.com/office/drawing/2010/main" w="9525">
+                <a:solidFill>
+                  <a:schemeClr val="tx1"/>
+                </a:solidFill>
+                <a:miter lim="800000"/>
+                <a:headEnd/>
+                <a:tailEnd/>
+              </a14:hiddenLine>
+            </a:ext>
+            <a:ext uri="{AF507438-7753-43E0-B8FC-AC1667EBCBE1}">
+              <a14:hiddenEffects xmlns:a14="http://schemas.microsoft.com/office/drawing/2010/main">
+                <a:effectLst>
+                  <a:outerShdw dist="35921" dir="2700000" algn="ctr" rotWithShape="0">
+                    <a:schemeClr val="bg2"/>
+                  </a:outerShdw>
+                </a:effectLst>
+              </a14:hiddenEffects>
+            </a:ext>
+          </a:extLst>
+        </p:spPr>
+        <p:txBody>
+          <a:bodyPr vert="horz" wrap="none" lIns="0" tIns="0" rIns="0" bIns="0" numCol="1" anchor="ctr" anchorCtr="0" compatLnSpc="1">
+            <a:prstTxWarp prst="textNoShape">
+              <a:avLst/>
+            </a:prstTxWarp>
+            <a:spAutoFit/>
+          </a:bodyPr>
+          <a:lstStyle/>
+          <a:p>
+            <a:pPr marL="0" marR="0" lvl="0" indent="0" algn="l" defTabSz="914400" rtl="0" eaLnBrk="0" fontAlgn="base" latinLnBrk="0" hangingPunct="0">
+              <a:lnSpc>
+                <a:spcPct val="100000"/>
+              </a:lnSpc>
+              <a:spcBef>
+                <a:spcPct val="0"/>
+              </a:spcBef>
+              <a:spcAft>
+                <a:spcPct val="0"/>
+              </a:spcAft>
+              <a:buClrTx/>
+              <a:buSzTx/>
+              <a:buFontTx/>
+              <a:buNone/>
+              <a:tabLst/>
+            </a:pPr>
+            <a:endParaRPr kumimoji="0" lang="en-US" altLang="en-US" sz="1800" b="0" i="0" u="none" strike="noStrike" cap="none" normalizeH="0" baseline="0">
+              <a:ln>
+                <a:noFill/>
+              </a:ln>
+              <a:solidFill>
+                <a:schemeClr val="tx1"/>
+              </a:solidFill>
+              <a:effectLst/>
+              <a:latin typeface="Arial" panose="020B0604020202020204" pitchFamily="34" charset="0"/>
+            </a:endParaRPr>
+          </a:p>
+          <a:p>
+            <a:pPr marL="0" marR="0" lvl="0" indent="0" algn="l" defTabSz="914400" rtl="0" eaLnBrk="0" fontAlgn="base" latinLnBrk="0" hangingPunct="0">
+              <a:lnSpc>
+                <a:spcPct val="100000"/>
+              </a:lnSpc>
+              <a:spcBef>
+                <a:spcPct val="0"/>
+              </a:spcBef>
+              <a:spcAft>
+                <a:spcPct val="0"/>
+              </a:spcAft>
+              <a:buClrTx/>
+              <a:buSzTx/>
+              <a:buFontTx/>
+              <a:buAutoNum type="arabicPeriod"/>
+              <a:tabLst/>
+            </a:pPr>
+            <a:r>
+              <a:rPr kumimoji="0" lang="en-US" altLang="en-US" sz="900" b="0" i="0" u="none" strike="noStrike" cap="none" normalizeH="0" baseline="0">
+                <a:ln>
+                  <a:noFill/>
+                </a:ln>
+                <a:solidFill>
+                  <a:srgbClr val="242729"/>
+                </a:solidFill>
+                <a:effectLst/>
+                <a:latin typeface="Consolas" panose="020B0609020204030204" pitchFamily="49" charset="0"/>
+                <a:cs typeface="Arial" panose="020B0604020202020204" pitchFamily="34" charset="0"/>
+              </a:rPr>
+              <a:t>pip install git+https://github.com/philferriere/cocoapi.git#subdirectory=PythonAPI</a:t>
+            </a:r>
+            <a:endParaRPr kumimoji="0" lang="en-US" altLang="en-US" sz="1100" b="0" i="0" u="none" strike="noStrike" cap="none" normalizeH="0" baseline="0">
+              <a:ln>
+                <a:noFill/>
+              </a:ln>
+              <a:solidFill>
+                <a:srgbClr val="242729"/>
+              </a:solidFill>
+              <a:effectLst/>
+              <a:latin typeface="inherit"/>
+              <a:cs typeface="Arial" panose="020B0604020202020204" pitchFamily="34" charset="0"/>
+            </a:endParaRPr>
+          </a:p>
+          <a:p>
+            <a:pPr marL="0" marR="0" lvl="0" indent="0" algn="l" defTabSz="914400" rtl="0" eaLnBrk="0" fontAlgn="base" latinLnBrk="0" hangingPunct="0">
+              <a:lnSpc>
+                <a:spcPct val="100000"/>
+              </a:lnSpc>
+              <a:spcBef>
+                <a:spcPct val="0"/>
+              </a:spcBef>
+              <a:spcAft>
+                <a:spcPct val="0"/>
+              </a:spcAft>
+              <a:buClrTx/>
+              <a:buSzTx/>
+              <a:buFontTx/>
+              <a:buAutoNum type="arabicPeriod" startAt="2"/>
+              <a:tabLst/>
+            </a:pPr>
+            <a:br>
+              <a:rPr kumimoji="0" lang="en-US" altLang="en-US" sz="600" b="0" i="0" u="none" strike="noStrike" cap="none" normalizeH="0" baseline="0">
+                <a:ln>
+                  <a:noFill/>
+                </a:ln>
+                <a:solidFill>
+                  <a:schemeClr val="tx1"/>
+                </a:solidFill>
+                <a:effectLst/>
+              </a:rPr>
+            </a:br>
+            <a:endParaRPr kumimoji="0" lang="en-US" altLang="en-US" sz="1800" b="0" i="0" u="none" strike="noStrike" cap="none" normalizeH="0" baseline="0">
+              <a:ln>
+                <a:noFill/>
+              </a:ln>
+              <a:solidFill>
+                <a:schemeClr val="tx1"/>
+              </a:solidFill>
+              <a:effectLst/>
+              <a:latin typeface="Arial" panose="020B0604020202020204" pitchFamily="34" charset="0"/>
+            </a:endParaRPr>
+          </a:p>
+        </p:txBody>
+      </p:sp>
+      <p:pic>
+        <p:nvPicPr>
+          <p:cNvPr id="10" name="Picture 9">
+            <a:extLst>
+              <a:ext uri="{FF2B5EF4-FFF2-40B4-BE49-F238E27FC236}">
+                <a16:creationId xmlns:a16="http://schemas.microsoft.com/office/drawing/2014/main" id="{1A370182-967C-4461-A0AA-3690F2BA5DF7}"/>
+              </a:ext>
+            </a:extLst>
+          </p:cNvPr>
+          <p:cNvPicPr>
+            <a:picLocks noChangeAspect="1"/>
+          </p:cNvPicPr>
+          <p:nvPr/>
+        </p:nvPicPr>
+        <p:blipFill>
+          <a:blip r:embed="rId3"/>
+          <a:stretch>
+            <a:fillRect/>
+          </a:stretch>
+        </p:blipFill>
+        <p:spPr>
+          <a:xfrm>
+            <a:off x="785783" y="2780928"/>
+            <a:ext cx="7901017" cy="2314687"/>
+          </a:xfrm>
+          <a:prstGeom prst="rect">
+            <a:avLst/>
+          </a:prstGeom>
+          <a:ln>
+            <a:solidFill>
+              <a:srgbClr val="C00000"/>
+            </a:solidFill>
+          </a:ln>
+        </p:spPr>
+      </p:pic>
+    </p:spTree>
+    <p:extLst>
+      <p:ext uri="{BB962C8B-B14F-4D97-AF65-F5344CB8AC3E}">
+        <p14:creationId xmlns:p14="http://schemas.microsoft.com/office/powerpoint/2010/main" val="1392308854"/>
+      </p:ext>
+    </p:extLst>
+  </p:cSld>
+  <p:clrMapOvr>
+    <a:masterClrMapping/>
+  </p:clrMapOvr>
+</p:sld>
+</file>
+
+<file path=ppt/slides/slide4.xml><?xml version="1.0" encoding="utf-8"?>
+<p:sld xmlns:a="http://schemas.openxmlformats.org/drawingml/2006/main" xmlns:r="http://schemas.openxmlformats.org/officeDocument/2006/relationships" xmlns:p="http://schemas.openxmlformats.org/presentationml/2006/main">
+  <p:cSld>
+    <p:spTree>
+      <p:nvGrpSpPr>
+        <p:cNvPr id="1" name=""/>
+        <p:cNvGrpSpPr/>
+        <p:nvPr/>
+      </p:nvGrpSpPr>
+      <p:grpSpPr>
+        <a:xfrm>
+          <a:off x="0" y="0"/>
+          <a:ext cx="0" cy="0"/>
+          <a:chOff x="0" y="0"/>
+          <a:chExt cx="0" cy="0"/>
+        </a:xfrm>
+      </p:grpSpPr>
+      <p:sp>
+        <p:nvSpPr>
+          <p:cNvPr id="2" name="標題 1"/>
+          <p:cNvSpPr>
+            <a:spLocks noGrp="1"/>
+          </p:cNvSpPr>
+          <p:nvPr>
+            <p:ph type="ctrTitle"/>
+          </p:nvPr>
+        </p:nvSpPr>
+        <p:spPr>
+          <a:xfrm>
+            <a:off x="0" y="1"/>
+            <a:ext cx="9144000" cy="764704"/>
+          </a:xfrm>
+          <a:gradFill flip="none" rotWithShape="1">
+            <a:gsLst>
+              <a:gs pos="0">
+                <a:srgbClr val="C00000">
+                  <a:shade val="30000"/>
+                  <a:satMod val="115000"/>
+                </a:srgbClr>
+              </a:gs>
+              <a:gs pos="50000">
+                <a:srgbClr val="C00000">
+                  <a:shade val="67500"/>
+                  <a:satMod val="115000"/>
+                </a:srgbClr>
+              </a:gs>
+              <a:gs pos="100000">
+                <a:srgbClr val="C00000">
+                  <a:shade val="100000"/>
+                  <a:satMod val="115000"/>
+                </a:srgbClr>
+              </a:gs>
+            </a:gsLst>
+            <a:path path="circle">
+              <a:fillToRect t="100000" r="100000"/>
+            </a:path>
+            <a:tileRect l="-100000" b="-100000"/>
+          </a:gradFill>
+        </p:spPr>
+        <p:txBody>
+          <a:bodyPr>
+            <a:normAutofit/>
+          </a:bodyPr>
+          <a:lstStyle/>
+          <a:p>
+            <a:pPr algn="l"/>
+            <a:r>
+              <a:rPr lang="en-US" altLang="zh-TW" b="1" dirty="0">
+                <a:solidFill>
+                  <a:srgbClr val="FFFF00"/>
+                </a:solidFill>
+              </a:rPr>
+              <a:t>5 Implement</a:t>
+            </a:r>
+            <a:endParaRPr lang="zh-TW" altLang="en-US" b="1" dirty="0">
+              <a:solidFill>
+                <a:srgbClr val="FFFF00"/>
+              </a:solidFill>
+            </a:endParaRPr>
+          </a:p>
+        </p:txBody>
+      </p:sp>
+      <p:sp>
+        <p:nvSpPr>
+          <p:cNvPr id="3" name="副標題 2"/>
+          <p:cNvSpPr>
+            <a:spLocks noGrp="1"/>
+          </p:cNvSpPr>
+          <p:nvPr>
+            <p:ph type="subTitle" idx="1"/>
+          </p:nvPr>
+        </p:nvSpPr>
+        <p:spPr>
+          <a:xfrm>
+            <a:off x="467544" y="1268759"/>
+            <a:ext cx="8352928" cy="1296146"/>
+          </a:xfrm>
+          <a:ln>
+            <a:solidFill>
+              <a:srgbClr val="C00000"/>
+            </a:solidFill>
+          </a:ln>
+        </p:spPr>
+        <p:txBody>
+          <a:bodyPr>
+            <a:noAutofit/>
+          </a:bodyPr>
+          <a:lstStyle/>
+          <a:p>
+            <a:pPr marL="342900" indent="-342900" algn="l">
+              <a:buClr>
+                <a:srgbClr val="0070C0"/>
+              </a:buClr>
+              <a:buSzPct val="80000"/>
+              <a:buFont typeface="Wingdings" pitchFamily="2" charset="2"/>
+              <a:buChar char="u"/>
+            </a:pPr>
+            <a:r>
+              <a:rPr lang="en-US" sz="1400" dirty="0">
+                <a:solidFill>
+                  <a:schemeClr val="tx1"/>
+                </a:solidFill>
+                <a:hlinkClick r:id="rId2">
+                  <a:extLst>
+                    <a:ext uri="{A12FA001-AC4F-418D-AE19-62706E023703}">
+                      <ahyp:hlinkClr xmlns:ahyp="http://schemas.microsoft.com/office/drawing/2018/hyperlinkcolor" val="tx"/>
+                    </a:ext>
+                  </a:extLst>
+                </a:hlinkClick>
+              </a:rPr>
+              <a:t>https://colab.research.google.com/drive/16jcaJoc6bCFAQ96jDe2HwtXj7BMD_-m5#scrollTo=QHnVupBBn9eR</a:t>
+            </a:r>
+            <a:endParaRPr lang="en-US" sz="1400" dirty="0">
+              <a:solidFill>
+                <a:schemeClr val="tx1"/>
+              </a:solidFill>
+            </a:endParaRPr>
+          </a:p>
+          <a:p>
+            <a:pPr marL="342900" indent="-342900" algn="l">
+              <a:buClr>
+                <a:srgbClr val="0070C0"/>
+              </a:buClr>
+              <a:buSzPct val="80000"/>
+              <a:buFont typeface="Wingdings" pitchFamily="2" charset="2"/>
+              <a:buChar char="u"/>
+            </a:pPr>
+            <a:r>
+              <a:rPr lang="en-US" sz="1400" dirty="0">
+                <a:solidFill>
+                  <a:srgbClr val="C00000"/>
+                </a:solidFill>
+              </a:rPr>
+              <a:t>&gt; pip install -U '</a:t>
+            </a:r>
+            <a:r>
+              <a:rPr lang="en-US" sz="1400" dirty="0" err="1">
+                <a:solidFill>
+                  <a:srgbClr val="C00000"/>
+                </a:solidFill>
+              </a:rPr>
+              <a:t>git+https</a:t>
+            </a:r>
+            <a:r>
+              <a:rPr lang="en-US" sz="1400" dirty="0">
+                <a:solidFill>
+                  <a:srgbClr val="C00000"/>
+                </a:solidFill>
+              </a:rPr>
+              <a:t>://github.com/</a:t>
+            </a:r>
+            <a:r>
+              <a:rPr lang="en-US" sz="1400" dirty="0" err="1">
+                <a:solidFill>
+                  <a:srgbClr val="C00000"/>
+                </a:solidFill>
+              </a:rPr>
+              <a:t>cocodataset</a:t>
+            </a:r>
+            <a:r>
+              <a:rPr lang="en-US" sz="1400" dirty="0">
+                <a:solidFill>
+                  <a:srgbClr val="C00000"/>
+                </a:solidFill>
+              </a:rPr>
+              <a:t>/</a:t>
+            </a:r>
+            <a:r>
+              <a:rPr lang="en-US" sz="1400" dirty="0" err="1">
+                <a:solidFill>
+                  <a:srgbClr val="C00000"/>
+                </a:solidFill>
+              </a:rPr>
+              <a:t>cocoapi.git#subdirectory</a:t>
+            </a:r>
+            <a:r>
+              <a:rPr lang="en-US" sz="1400" dirty="0">
+                <a:solidFill>
+                  <a:srgbClr val="C00000"/>
+                </a:solidFill>
+              </a:rPr>
+              <a:t>=</a:t>
+            </a:r>
+            <a:r>
+              <a:rPr lang="en-US" sz="1400" dirty="0" err="1">
+                <a:solidFill>
+                  <a:srgbClr val="C00000"/>
+                </a:solidFill>
+              </a:rPr>
+              <a:t>PythonAPI</a:t>
+            </a:r>
+            <a:r>
+              <a:rPr lang="en-US" sz="1400" dirty="0">
+                <a:solidFill>
+                  <a:srgbClr val="C00000"/>
+                </a:solidFill>
+              </a:rPr>
+              <a:t>’ 	# NG</a:t>
+            </a:r>
+          </a:p>
+          <a:p>
+            <a:pPr marL="342900" indent="-342900" algn="l">
+              <a:buClr>
+                <a:srgbClr val="0070C0"/>
+              </a:buClr>
+              <a:buSzPct val="80000"/>
+              <a:buFont typeface="Wingdings" pitchFamily="2" charset="2"/>
+              <a:buChar char="u"/>
+            </a:pPr>
+            <a:r>
+              <a:rPr lang="en-US" sz="1400" dirty="0">
+                <a:solidFill>
+                  <a:schemeClr val="tx1"/>
+                </a:solidFill>
+              </a:rPr>
+              <a:t>&gt; pip install </a:t>
+            </a:r>
+            <a:r>
+              <a:rPr lang="en-US" sz="1400" dirty="0" err="1">
+                <a:solidFill>
+                  <a:schemeClr val="tx1"/>
+                </a:solidFill>
+              </a:rPr>
+              <a:t>git+https</a:t>
+            </a:r>
+            <a:r>
+              <a:rPr lang="en-US" sz="1400" dirty="0">
+                <a:solidFill>
+                  <a:schemeClr val="tx1"/>
+                </a:solidFill>
+              </a:rPr>
+              <a:t>://github.com/</a:t>
+            </a:r>
+            <a:r>
+              <a:rPr lang="en-US" sz="1400" dirty="0" err="1">
+                <a:solidFill>
+                  <a:schemeClr val="tx1"/>
+                </a:solidFill>
+              </a:rPr>
+              <a:t>philferriere</a:t>
+            </a:r>
+            <a:r>
+              <a:rPr lang="en-US" sz="1400" dirty="0">
+                <a:solidFill>
+                  <a:schemeClr val="tx1"/>
+                </a:solidFill>
+              </a:rPr>
+              <a:t>/</a:t>
+            </a:r>
+            <a:r>
+              <a:rPr lang="en-US" sz="1400" dirty="0" err="1">
+                <a:solidFill>
+                  <a:schemeClr val="tx1"/>
+                </a:solidFill>
+              </a:rPr>
+              <a:t>cocoapi.git#subdirectory</a:t>
+            </a:r>
+            <a:r>
+              <a:rPr lang="en-US" sz="1400" dirty="0">
+                <a:solidFill>
+                  <a:schemeClr val="tx1"/>
+                </a:solidFill>
+              </a:rPr>
+              <a:t>=</a:t>
+            </a:r>
+            <a:r>
+              <a:rPr lang="en-US" sz="1400" dirty="0" err="1">
+                <a:solidFill>
+                  <a:schemeClr val="tx1"/>
+                </a:solidFill>
+              </a:rPr>
+              <a:t>PythonAPI</a:t>
+            </a:r>
+            <a:r>
+              <a:rPr lang="en-US" sz="1400" dirty="0">
+                <a:solidFill>
+                  <a:schemeClr val="tx1"/>
+                </a:solidFill>
+              </a:rPr>
+              <a:t>  	# OK</a:t>
+            </a:r>
+          </a:p>
+          <a:p>
+            <a:pPr marL="342900" indent="-342900" algn="l">
+              <a:buClr>
+                <a:srgbClr val="0070C0"/>
+              </a:buClr>
+              <a:buSzPct val="80000"/>
+              <a:buFont typeface="Wingdings" pitchFamily="2" charset="2"/>
+              <a:buChar char="u"/>
+            </a:pPr>
+            <a:r>
+              <a:rPr lang="en-US" sz="1400" dirty="0">
+                <a:solidFill>
+                  <a:schemeClr val="tx1"/>
+                </a:solidFill>
+              </a:rPr>
+              <a:t>&gt; pip freeze | grep "</a:t>
+            </a:r>
+            <a:r>
+              <a:rPr lang="en-US" sz="1400" dirty="0" err="1">
+                <a:solidFill>
+                  <a:schemeClr val="tx1"/>
+                </a:solidFill>
+              </a:rPr>
+              <a:t>pycocotools</a:t>
+            </a:r>
+            <a:r>
+              <a:rPr lang="en-US" sz="1400" dirty="0">
+                <a:solidFill>
+                  <a:schemeClr val="tx1"/>
+                </a:solidFill>
+              </a:rPr>
+              <a:t>"</a:t>
+            </a:r>
+          </a:p>
+        </p:txBody>
+      </p:sp>
+      <p:sp>
+        <p:nvSpPr>
+          <p:cNvPr id="4" name="標題 1"/>
+          <p:cNvSpPr txBox="1">
+            <a:spLocks/>
+          </p:cNvSpPr>
+          <p:nvPr/>
+        </p:nvSpPr>
+        <p:spPr>
+          <a:xfrm>
+            <a:off x="0" y="764704"/>
+            <a:ext cx="9144000" cy="360040"/>
+          </a:xfrm>
+          <a:prstGeom prst="rect">
+            <a:avLst/>
+          </a:prstGeom>
+          <a:gradFill flip="none" rotWithShape="1">
+            <a:gsLst>
+              <a:gs pos="0">
+                <a:srgbClr val="00B0F0">
+                  <a:shade val="30000"/>
+                  <a:satMod val="115000"/>
+                </a:srgbClr>
+              </a:gs>
+              <a:gs pos="50000">
+                <a:srgbClr val="00B0F0">
+                  <a:shade val="67500"/>
+                  <a:satMod val="115000"/>
+                </a:srgbClr>
+              </a:gs>
+              <a:gs pos="100000">
+                <a:srgbClr val="00B0F0">
+                  <a:shade val="100000"/>
+                  <a:satMod val="115000"/>
+                </a:srgbClr>
+              </a:gs>
+            </a:gsLst>
+            <a:path path="circle">
+              <a:fillToRect t="100000" r="100000"/>
+            </a:path>
+            <a:tileRect l="-100000" b="-100000"/>
+          </a:gradFill>
+        </p:spPr>
+        <p:txBody>
+          <a:bodyPr vert="horz" lIns="91440" tIns="45720" rIns="91440" bIns="45720" rtlCol="0" anchor="ctr">
+            <a:normAutofit/>
+          </a:bodyPr>
+          <a:lstStyle/>
+          <a:p>
+            <a:pPr lvl="0">
+              <a:spcBef>
+                <a:spcPct val="0"/>
+              </a:spcBef>
+            </a:pPr>
+            <a:r>
+              <a:rPr lang="en-US" sz="1600" dirty="0">
+                <a:hlinkClick r:id="rId2"/>
+              </a:rPr>
+              <a:t>https://colab.research.google.com/drive/16jcaJoc6bCFAQ96jDe2HwtXj7BMD_-m5#scrollTo=QHnVupBBn9eR</a:t>
+            </a:r>
+            <a:endParaRPr kumimoji="0" lang="zh-TW" altLang="en-US" sz="1600" b="0" i="0" u="none" strike="noStrike" kern="1200" cap="none" spc="0" normalizeH="0" baseline="0" noProof="0" dirty="0">
+              <a:ln>
+                <a:noFill/>
+              </a:ln>
+              <a:solidFill>
+                <a:schemeClr val="tx1"/>
+              </a:solidFill>
+              <a:effectLst/>
+              <a:uLnTx/>
+              <a:uFillTx/>
+              <a:latin typeface="+mj-lt"/>
+              <a:ea typeface="+mj-ea"/>
+              <a:cs typeface="+mj-cs"/>
+            </a:endParaRPr>
+          </a:p>
+        </p:txBody>
+      </p:sp>
+      <p:sp>
+        <p:nvSpPr>
+          <p:cNvPr id="5" name="日期版面配置區 4"/>
+          <p:cNvSpPr>
+            <a:spLocks noGrp="1"/>
+          </p:cNvSpPr>
+          <p:nvPr>
+            <p:ph type="dt" sz="half" idx="10"/>
+          </p:nvPr>
+        </p:nvSpPr>
+        <p:spPr/>
+        <p:txBody>
+          <a:bodyPr/>
+          <a:lstStyle/>
+          <a:p>
+            <a:fld id="{A4F910E6-8D00-4BAF-8C48-9688E0B449D3}" type="datetime1">
+              <a:rPr lang="zh-TW" altLang="en-US" smtClean="0"/>
+              <a:pPr/>
+              <a:t>2020/5/14</a:t>
+            </a:fld>
+            <a:endParaRPr lang="zh-TW" altLang="en-US"/>
+          </a:p>
+        </p:txBody>
+      </p:sp>
+      <p:sp>
+        <p:nvSpPr>
+          <p:cNvPr id="6" name="投影片編號版面配置區 5"/>
+          <p:cNvSpPr>
+            <a:spLocks noGrp="1"/>
+          </p:cNvSpPr>
+          <p:nvPr>
+            <p:ph type="sldNum" sz="quarter" idx="12"/>
+          </p:nvPr>
+        </p:nvSpPr>
+        <p:spPr/>
+        <p:txBody>
+          <a:bodyPr/>
+          <a:lstStyle/>
+          <a:p>
+            <a:fld id="{E4D7E63D-91F2-4366-A2C4-1B00C9E2590E}" type="slidenum">
+              <a:rPr lang="zh-TW" altLang="en-US" smtClean="0"/>
+              <a:pPr/>
+              <a:t>4</a:t>
+            </a:fld>
+            <a:endParaRPr lang="zh-TW" altLang="en-US"/>
+          </a:p>
+        </p:txBody>
+      </p:sp>
+      <p:sp>
+        <p:nvSpPr>
+          <p:cNvPr id="7" name="Rectangle 1">
+            <a:extLst>
+              <a:ext uri="{FF2B5EF4-FFF2-40B4-BE49-F238E27FC236}">
+                <a16:creationId xmlns:a16="http://schemas.microsoft.com/office/drawing/2014/main" id="{146072AD-425E-40A8-9663-B3F58C852D8E}"/>
+              </a:ext>
+            </a:extLst>
+          </p:cNvPr>
+          <p:cNvSpPr>
+            <a:spLocks noChangeArrowheads="1"/>
+          </p:cNvSpPr>
+          <p:nvPr/>
+        </p:nvSpPr>
+        <p:spPr bwMode="auto">
+          <a:xfrm>
+            <a:off x="0" y="0"/>
+            <a:ext cx="9144000" cy="0"/>
+          </a:xfrm>
+          <a:prstGeom prst="rect">
+            <a:avLst/>
+          </a:prstGeom>
+          <a:solidFill>
+            <a:srgbClr val="FFFFFF"/>
+          </a:solidFill>
+          <a:ln>
+            <a:noFill/>
+          </a:ln>
+          <a:effectLst/>
+          <a:extLst>
+            <a:ext uri="{91240B29-F687-4F45-9708-019B960494DF}">
+              <a14:hiddenLine xmlns:a14="http://schemas.microsoft.com/office/drawing/2010/main" w="9525">
+                <a:solidFill>
+                  <a:schemeClr val="tx1"/>
+                </a:solidFill>
+                <a:miter lim="800000"/>
+                <a:headEnd/>
+                <a:tailEnd/>
+              </a14:hiddenLine>
+            </a:ext>
+            <a:ext uri="{AF507438-7753-43E0-B8FC-AC1667EBCBE1}">
+              <a14:hiddenEffects xmlns:a14="http://schemas.microsoft.com/office/drawing/2010/main">
+                <a:effectLst>
+                  <a:outerShdw dist="35921" dir="2700000" algn="ctr" rotWithShape="0">
+                    <a:schemeClr val="bg2"/>
+                  </a:outerShdw>
+                </a:effectLst>
+              </a14:hiddenEffects>
+            </a:ext>
+          </a:extLst>
+        </p:spPr>
+        <p:txBody>
+          <a:bodyPr vert="horz" wrap="none" lIns="0" tIns="0" rIns="0" bIns="0" numCol="1" anchor="ctr" anchorCtr="0" compatLnSpc="1">
+            <a:prstTxWarp prst="textNoShape">
+              <a:avLst/>
+            </a:prstTxWarp>
+            <a:spAutoFit/>
+          </a:bodyPr>
+          <a:lstStyle/>
+          <a:p>
+            <a:pPr marL="0" marR="0" lvl="0" indent="0" algn="l" defTabSz="914400" rtl="0" eaLnBrk="0" fontAlgn="base" latinLnBrk="0" hangingPunct="0">
+              <a:lnSpc>
+                <a:spcPct val="100000"/>
+              </a:lnSpc>
+              <a:spcBef>
+                <a:spcPct val="0"/>
+              </a:spcBef>
+              <a:spcAft>
+                <a:spcPct val="0"/>
+              </a:spcAft>
+              <a:buClrTx/>
+              <a:buSzTx/>
+              <a:buFontTx/>
+              <a:buNone/>
+              <a:tabLst/>
+            </a:pPr>
+            <a:endParaRPr kumimoji="0" lang="en-US" altLang="en-US" sz="1800" b="0" i="0" u="none" strike="noStrike" cap="none" normalizeH="0" baseline="0">
+              <a:ln>
+                <a:noFill/>
+              </a:ln>
+              <a:solidFill>
+                <a:schemeClr val="tx1"/>
+              </a:solidFill>
+              <a:effectLst/>
+              <a:latin typeface="Arial" panose="020B0604020202020204" pitchFamily="34" charset="0"/>
+            </a:endParaRPr>
+          </a:p>
+          <a:p>
+            <a:pPr marL="0" marR="0" lvl="0" indent="0" algn="l" defTabSz="914400" rtl="0" eaLnBrk="0" fontAlgn="base" latinLnBrk="0" hangingPunct="0">
+              <a:lnSpc>
+                <a:spcPct val="100000"/>
+              </a:lnSpc>
+              <a:spcBef>
+                <a:spcPct val="0"/>
+              </a:spcBef>
+              <a:spcAft>
+                <a:spcPct val="0"/>
+              </a:spcAft>
+              <a:buClrTx/>
+              <a:buSzTx/>
+              <a:buFontTx/>
+              <a:buAutoNum type="arabicPeriod"/>
+              <a:tabLst/>
+            </a:pPr>
+            <a:r>
+              <a:rPr kumimoji="0" lang="en-US" altLang="en-US" sz="900" b="0" i="0" u="none" strike="noStrike" cap="none" normalizeH="0" baseline="0">
+                <a:ln>
+                  <a:noFill/>
+                </a:ln>
+                <a:solidFill>
+                  <a:srgbClr val="242729"/>
+                </a:solidFill>
+                <a:effectLst/>
+                <a:latin typeface="Consolas" panose="020B0609020204030204" pitchFamily="49" charset="0"/>
+                <a:cs typeface="Arial" panose="020B0604020202020204" pitchFamily="34" charset="0"/>
+              </a:rPr>
+              <a:t>pip install git+https://github.com/philferriere/cocoapi.git#subdirectory=PythonAPI</a:t>
+            </a:r>
+            <a:endParaRPr kumimoji="0" lang="en-US" altLang="en-US" sz="1100" b="0" i="0" u="none" strike="noStrike" cap="none" normalizeH="0" baseline="0">
+              <a:ln>
+                <a:noFill/>
+              </a:ln>
+              <a:solidFill>
+                <a:srgbClr val="242729"/>
+              </a:solidFill>
+              <a:effectLst/>
+              <a:latin typeface="inherit"/>
+              <a:cs typeface="Arial" panose="020B0604020202020204" pitchFamily="34" charset="0"/>
+            </a:endParaRPr>
+          </a:p>
+          <a:p>
+            <a:pPr marL="0" marR="0" lvl="0" indent="0" algn="l" defTabSz="914400" rtl="0" eaLnBrk="0" fontAlgn="base" latinLnBrk="0" hangingPunct="0">
+              <a:lnSpc>
+                <a:spcPct val="100000"/>
+              </a:lnSpc>
+              <a:spcBef>
+                <a:spcPct val="0"/>
+              </a:spcBef>
+              <a:spcAft>
+                <a:spcPct val="0"/>
+              </a:spcAft>
+              <a:buClrTx/>
+              <a:buSzTx/>
+              <a:buFontTx/>
+              <a:buAutoNum type="arabicPeriod" startAt="2"/>
+              <a:tabLst/>
+            </a:pPr>
+            <a:br>
+              <a:rPr kumimoji="0" lang="en-US" altLang="en-US" sz="600" b="0" i="0" u="none" strike="noStrike" cap="none" normalizeH="0" baseline="0">
+                <a:ln>
+                  <a:noFill/>
+                </a:ln>
+                <a:solidFill>
+                  <a:schemeClr val="tx1"/>
+                </a:solidFill>
+                <a:effectLst/>
+              </a:rPr>
+            </a:br>
+            <a:endParaRPr kumimoji="0" lang="en-US" altLang="en-US" sz="1800" b="0" i="0" u="none" strike="noStrike" cap="none" normalizeH="0" baseline="0">
+              <a:ln>
+                <a:noFill/>
+              </a:ln>
+              <a:solidFill>
+                <a:schemeClr val="tx1"/>
+              </a:solidFill>
+              <a:effectLst/>
+              <a:latin typeface="Arial" panose="020B0604020202020204" pitchFamily="34" charset="0"/>
+            </a:endParaRPr>
+          </a:p>
+        </p:txBody>
+      </p:sp>
+      <p:pic>
+        <p:nvPicPr>
+          <p:cNvPr id="9" name="Picture 8">
+            <a:extLst>
+              <a:ext uri="{FF2B5EF4-FFF2-40B4-BE49-F238E27FC236}">
+                <a16:creationId xmlns:a16="http://schemas.microsoft.com/office/drawing/2014/main" id="{BEDFDAD0-2776-4ADF-8F87-5F08A63FA3CB}"/>
+              </a:ext>
+            </a:extLst>
+          </p:cNvPr>
+          <p:cNvPicPr>
+            <a:picLocks noChangeAspect="1"/>
+          </p:cNvPicPr>
+          <p:nvPr/>
+        </p:nvPicPr>
+        <p:blipFill>
+          <a:blip r:embed="rId3"/>
+          <a:stretch>
+            <a:fillRect/>
+          </a:stretch>
+        </p:blipFill>
+        <p:spPr>
+          <a:xfrm>
+            <a:off x="1001137" y="2738284"/>
+            <a:ext cx="7685663" cy="2604497"/>
+          </a:xfrm>
+          <a:prstGeom prst="rect">
+            <a:avLst/>
+          </a:prstGeom>
+          <a:ln>
+            <a:solidFill>
+              <a:srgbClr val="C00000"/>
+            </a:solidFill>
+          </a:ln>
+        </p:spPr>
+      </p:pic>
+    </p:spTree>
+    <p:extLst>
+      <p:ext uri="{BB962C8B-B14F-4D97-AF65-F5344CB8AC3E}">
+        <p14:creationId xmlns:p14="http://schemas.microsoft.com/office/powerpoint/2010/main" val="1210279802"/>
+      </p:ext>
+    </p:extLst>
+  </p:cSld>
+  <p:clrMapOvr>
+    <a:masterClrMapping/>
+  </p:clrMapOvr>
+</p:sld>
+</file>
+
+<file path=ppt/slides/slide5.xml><?xml version="1.0" encoding="utf-8"?>
+<p:sld xmlns:a="http://schemas.openxmlformats.org/drawingml/2006/main" xmlns:r="http://schemas.openxmlformats.org/officeDocument/2006/relationships" xmlns:p="http://schemas.openxmlformats.org/presentationml/2006/main">
+  <p:cSld>
+    <p:spTree>
+      <p:nvGrpSpPr>
+        <p:cNvPr id="1" name=""/>
+        <p:cNvGrpSpPr/>
+        <p:nvPr/>
+      </p:nvGrpSpPr>
+      <p:grpSpPr>
+        <a:xfrm>
+          <a:off x="0" y="0"/>
+          <a:ext cx="0" cy="0"/>
+          <a:chOff x="0" y="0"/>
+          <a:chExt cx="0" cy="0"/>
+        </a:xfrm>
+      </p:grpSpPr>
+      <p:sp>
+        <p:nvSpPr>
+          <p:cNvPr id="2" name="標題 1"/>
+          <p:cNvSpPr>
+            <a:spLocks noGrp="1"/>
+          </p:cNvSpPr>
+          <p:nvPr>
+            <p:ph type="ctrTitle"/>
+          </p:nvPr>
+        </p:nvSpPr>
+        <p:spPr>
+          <a:xfrm>
+            <a:off x="0" y="1"/>
+            <a:ext cx="9144000" cy="764704"/>
+          </a:xfrm>
+          <a:gradFill flip="none" rotWithShape="1">
+            <a:gsLst>
+              <a:gs pos="0">
+                <a:srgbClr val="C00000">
+                  <a:shade val="30000"/>
+                  <a:satMod val="115000"/>
+                </a:srgbClr>
+              </a:gs>
+              <a:gs pos="50000">
+                <a:srgbClr val="C00000">
+                  <a:shade val="67500"/>
+                  <a:satMod val="115000"/>
+                </a:srgbClr>
+              </a:gs>
+              <a:gs pos="100000">
+                <a:srgbClr val="C00000">
+                  <a:shade val="100000"/>
+                  <a:satMod val="115000"/>
+                </a:srgbClr>
+              </a:gs>
+            </a:gsLst>
+            <a:path path="circle">
+              <a:fillToRect t="100000" r="100000"/>
+            </a:path>
+            <a:tileRect l="-100000" b="-100000"/>
+          </a:gradFill>
+        </p:spPr>
+        <p:txBody>
+          <a:bodyPr>
+            <a:normAutofit/>
+          </a:bodyPr>
+          <a:lstStyle/>
+          <a:p>
+            <a:pPr algn="l"/>
+            <a:r>
+              <a:rPr lang="en-US" altLang="zh-TW" b="1" dirty="0">
+                <a:solidFill>
+                  <a:srgbClr val="FFFF00"/>
+                </a:solidFill>
+              </a:rPr>
+              <a:t>5 Implement</a:t>
+            </a:r>
+            <a:endParaRPr lang="zh-TW" altLang="en-US" b="1" dirty="0">
+              <a:solidFill>
+                <a:srgbClr val="FFFF00"/>
+              </a:solidFill>
+            </a:endParaRPr>
+          </a:p>
+        </p:txBody>
+      </p:sp>
+      <p:sp>
+        <p:nvSpPr>
+          <p:cNvPr id="3" name="副標題 2"/>
+          <p:cNvSpPr>
+            <a:spLocks noGrp="1"/>
+          </p:cNvSpPr>
+          <p:nvPr>
+            <p:ph type="subTitle" idx="1"/>
+          </p:nvPr>
+        </p:nvSpPr>
+        <p:spPr>
+          <a:xfrm>
+            <a:off x="467544" y="1268759"/>
+            <a:ext cx="8352928" cy="1008113"/>
+          </a:xfrm>
+          <a:ln>
+            <a:solidFill>
+              <a:srgbClr val="C00000"/>
+            </a:solidFill>
+          </a:ln>
+        </p:spPr>
+        <p:txBody>
+          <a:bodyPr>
+            <a:noAutofit/>
+          </a:bodyPr>
+          <a:lstStyle/>
+          <a:p>
+            <a:pPr marL="342900" indent="-342900" algn="l">
+              <a:buClr>
+                <a:srgbClr val="0070C0"/>
+              </a:buClr>
+              <a:buSzPct val="80000"/>
+              <a:buFont typeface="Wingdings" pitchFamily="2" charset="2"/>
+              <a:buChar char="u"/>
+            </a:pPr>
+            <a:r>
+              <a:rPr lang="en-US" sz="1800" dirty="0">
+                <a:hlinkClick r:id="rId2"/>
+              </a:rPr>
+              <a:t>https://colab.research.google.com/drive/16jcaJoc6bCFAQ96jDe2HwtXj7BMD_-m5#scrollTo=QHnVupBBn9eR</a:t>
+            </a:r>
+            <a:endParaRPr lang="en-US" sz="1800" dirty="0"/>
+          </a:p>
+          <a:p>
+            <a:pPr marL="342900" indent="-342900" algn="l">
+              <a:buClr>
+                <a:srgbClr val="0070C0"/>
+              </a:buClr>
+              <a:buSzPct val="80000"/>
+              <a:buFont typeface="Wingdings" pitchFamily="2" charset="2"/>
+              <a:buChar char="u"/>
+            </a:pPr>
+            <a:r>
+              <a:rPr lang="en-US" sz="1800" dirty="0">
+                <a:solidFill>
+                  <a:schemeClr val="tx1"/>
+                </a:solidFill>
+              </a:rPr>
+              <a:t>Print torch version (1.5.0)</a:t>
+            </a:r>
+          </a:p>
+          <a:p>
+            <a:pPr marL="342900" indent="-342900" algn="l">
+              <a:buClr>
+                <a:srgbClr val="0070C0"/>
+              </a:buClr>
+              <a:buSzPct val="80000"/>
+              <a:buFont typeface="Wingdings" pitchFamily="2" charset="2"/>
+              <a:buChar char="u"/>
+            </a:pPr>
+            <a:endParaRPr lang="en-US" sz="1800" dirty="0">
+              <a:solidFill>
+                <a:schemeClr val="tx1"/>
+              </a:solidFill>
+            </a:endParaRPr>
+          </a:p>
+        </p:txBody>
+      </p:sp>
+      <p:sp>
+        <p:nvSpPr>
+          <p:cNvPr id="4" name="標題 1"/>
+          <p:cNvSpPr txBox="1">
+            <a:spLocks/>
+          </p:cNvSpPr>
+          <p:nvPr/>
+        </p:nvSpPr>
+        <p:spPr>
+          <a:xfrm>
+            <a:off x="0" y="764704"/>
+            <a:ext cx="9144000" cy="360040"/>
+          </a:xfrm>
+          <a:prstGeom prst="rect">
+            <a:avLst/>
+          </a:prstGeom>
+          <a:gradFill flip="none" rotWithShape="1">
+            <a:gsLst>
+              <a:gs pos="0">
+                <a:srgbClr val="00B0F0">
+                  <a:shade val="30000"/>
+                  <a:satMod val="115000"/>
+                </a:srgbClr>
+              </a:gs>
+              <a:gs pos="50000">
+                <a:srgbClr val="00B0F0">
+                  <a:shade val="67500"/>
+                  <a:satMod val="115000"/>
+                </a:srgbClr>
+              </a:gs>
+              <a:gs pos="100000">
+                <a:srgbClr val="00B0F0">
+                  <a:shade val="100000"/>
+                  <a:satMod val="115000"/>
+                </a:srgbClr>
+              </a:gs>
+            </a:gsLst>
+            <a:path path="circle">
+              <a:fillToRect t="100000" r="100000"/>
+            </a:path>
+            <a:tileRect l="-100000" b="-100000"/>
+          </a:gradFill>
+        </p:spPr>
+        <p:txBody>
+          <a:bodyPr vert="horz" lIns="91440" tIns="45720" rIns="91440" bIns="45720" rtlCol="0" anchor="ctr">
+            <a:normAutofit/>
+          </a:bodyPr>
+          <a:lstStyle/>
+          <a:p>
+            <a:pPr lvl="0">
+              <a:spcBef>
+                <a:spcPct val="0"/>
+              </a:spcBef>
+            </a:pPr>
+            <a:r>
+              <a:rPr lang="en-US" sz="1600" dirty="0">
+                <a:hlinkClick r:id="rId2"/>
+              </a:rPr>
+              <a:t>https://colab.research.google.com/drive/16jcaJoc6bCFAQ96jDe2HwtXj7BMD_-m5#scrollTo=QHnVupBBn9eR</a:t>
+            </a:r>
+            <a:endParaRPr kumimoji="0" lang="zh-TW" altLang="en-US" sz="1600" b="0" i="0" u="none" strike="noStrike" kern="1200" cap="none" spc="0" normalizeH="0" baseline="0" noProof="0" dirty="0">
+              <a:ln>
+                <a:noFill/>
+              </a:ln>
+              <a:solidFill>
+                <a:schemeClr val="tx1"/>
+              </a:solidFill>
+              <a:effectLst/>
+              <a:uLnTx/>
+              <a:uFillTx/>
+              <a:latin typeface="+mj-lt"/>
+              <a:ea typeface="+mj-ea"/>
+              <a:cs typeface="+mj-cs"/>
+            </a:endParaRPr>
+          </a:p>
+        </p:txBody>
+      </p:sp>
+      <p:sp>
+        <p:nvSpPr>
+          <p:cNvPr id="5" name="日期版面配置區 4"/>
+          <p:cNvSpPr>
+            <a:spLocks noGrp="1"/>
+          </p:cNvSpPr>
+          <p:nvPr>
+            <p:ph type="dt" sz="half" idx="10"/>
+          </p:nvPr>
+        </p:nvSpPr>
+        <p:spPr/>
+        <p:txBody>
+          <a:bodyPr/>
+          <a:lstStyle/>
+          <a:p>
+            <a:fld id="{A4F910E6-8D00-4BAF-8C48-9688E0B449D3}" type="datetime1">
+              <a:rPr lang="zh-TW" altLang="en-US" smtClean="0"/>
+              <a:pPr/>
+              <a:t>2020/5/14</a:t>
+            </a:fld>
+            <a:endParaRPr lang="zh-TW" altLang="en-US"/>
+          </a:p>
+        </p:txBody>
+      </p:sp>
+      <p:sp>
+        <p:nvSpPr>
+          <p:cNvPr id="6" name="投影片編號版面配置區 5"/>
+          <p:cNvSpPr>
+            <a:spLocks noGrp="1"/>
+          </p:cNvSpPr>
+          <p:nvPr>
+            <p:ph type="sldNum" sz="quarter" idx="12"/>
+          </p:nvPr>
+        </p:nvSpPr>
+        <p:spPr/>
+        <p:txBody>
+          <a:bodyPr/>
+          <a:lstStyle/>
+          <a:p>
+            <a:fld id="{E4D7E63D-91F2-4366-A2C4-1B00C9E2590E}" type="slidenum">
+              <a:rPr lang="zh-TW" altLang="en-US" smtClean="0"/>
+              <a:pPr/>
+              <a:t>5</a:t>
             </a:fld>
             <a:endParaRPr lang="zh-TW" altLang="en-US"/>
           </a:p>
@@ -4485,7 +6239,7 @@
 </p:sld>
 </file>
 
-<file path=ppt/slides/slide4.xml><?xml version="1.0" encoding="utf-8"?>
+<file path=ppt/slides/slide6.xml><?xml version="1.0" encoding="utf-8"?>
 <p:sld xmlns:a="http://schemas.openxmlformats.org/drawingml/2006/main" xmlns:r="http://schemas.openxmlformats.org/officeDocument/2006/relationships" xmlns:p="http://schemas.openxmlformats.org/presentationml/2006/main">
   <p:cSld>
     <p:spTree>
@@ -4579,8 +6333,8 @@
         </p:nvSpPr>
         <p:spPr>
           <a:xfrm>
-            <a:off x="467544" y="1268758"/>
-            <a:ext cx="8352928" cy="1688011"/>
+            <a:off x="444431" y="1268760"/>
+            <a:ext cx="8352928" cy="1368152"/>
           </a:xfrm>
           <a:ln>
             <a:solidFill>
@@ -4604,11 +6358,24 @@
             </a:pPr>
             <a:r>
               <a:rPr lang="en-US" sz="1800" dirty="0">
-                <a:hlinkClick r:id="rId2"/>
-              </a:rPr>
-              <a:t>https://www.youtube.com/watch?v=8eLHZ0R5nHQ&amp;t=11s</a:t>
-            </a:r>
-            <a:endParaRPr lang="en-US" sz="1800" dirty="0"/>
+                <a:solidFill>
+                  <a:schemeClr val="tx1"/>
+                </a:solidFill>
+                <a:hlinkClick r:id="rId2">
+                  <a:extLst>
+                    <a:ext uri="{A12FA001-AC4F-418D-AE19-62706E023703}">
+                      <ahyp:hlinkClr xmlns:ahyp="http://schemas.microsoft.com/office/drawing/2018/hyperlinkcolor" val="tx"/>
+                    </a:ext>
+                  </a:extLst>
+                </a:hlinkClick>
+              </a:rPr>
+              <a:t>https://github.com/facebookresearch/detectron2/blob/master/INSTALL.md </a:t>
+            </a:r>
+            <a:endParaRPr lang="en-US" sz="1800" dirty="0">
+              <a:solidFill>
+                <a:schemeClr val="tx1"/>
+              </a:solidFill>
+            </a:endParaRPr>
           </a:p>
           <a:p>
             <a:pPr marL="342900" indent="-342900" algn="l">
@@ -4620,12 +6387,20 @@
               <a:buChar char="u"/>
             </a:pPr>
             <a:r>
+              <a:rPr lang="en-US" sz="1800" dirty="0" err="1">
+                <a:solidFill>
+                  <a:schemeClr val="tx1"/>
+                </a:solidFill>
+              </a:rPr>
+              <a:t>gcc</a:t>
+            </a:r>
+            <a:r>
               <a:rPr lang="en-US" sz="1800" dirty="0">
                 <a:solidFill>
                   <a:schemeClr val="tx1"/>
                 </a:solidFill>
               </a:rPr>
-              <a:t>9:56/1:07:20</a:t>
+              <a:t> &amp; g++ ≥ 5 are required. </a:t>
             </a:r>
           </a:p>
           <a:p>
@@ -4643,7 +6418,39 @@
                   <a:schemeClr val="tx1"/>
                 </a:solidFill>
               </a:rPr>
-              <a:t>Clone the dectron2</a:t>
+              <a:t>To load </a:t>
+            </a:r>
+            <a:r>
+              <a:rPr lang="en-US" sz="1800" dirty="0" err="1">
+                <a:solidFill>
+                  <a:schemeClr val="tx1"/>
+                </a:solidFill>
+              </a:rPr>
+              <a:t>gcc</a:t>
+            </a:r>
+            <a:r>
+              <a:rPr lang="en-US" sz="1800" dirty="0">
+                <a:solidFill>
+                  <a:schemeClr val="tx1"/>
+                </a:solidFill>
+              </a:rPr>
+              <a:t> &gt; 5, we need download </a:t>
+            </a:r>
+            <a:r>
+              <a:rPr lang="en-US" sz="1800" dirty="0" err="1">
+                <a:solidFill>
+                  <a:schemeClr val="tx1"/>
+                </a:solidFill>
+              </a:rPr>
+              <a:t>gcc</a:t>
+            </a:r>
+            <a:r>
+              <a:rPr lang="en-US" sz="1800" dirty="0">
+                <a:solidFill>
+                  <a:schemeClr val="tx1"/>
+                </a:solidFill>
+              </a:rPr>
+              <a:t> from Code::Blocks</a:t>
             </a:r>
           </a:p>
           <a:p>
@@ -4657,46 +6464,11 @@
             </a:pPr>
             <a:r>
               <a:rPr lang="en-US" sz="1800" dirty="0">
-                <a:solidFill>
-                  <a:schemeClr val="tx1"/>
-                </a:solidFill>
-              </a:rPr>
-              <a:t>&gt; git clone https://github.com/facebookresearch/detectron2 detectron2_repo</a:t>
-            </a:r>
-          </a:p>
-          <a:p>
-            <a:pPr marL="342900" indent="-342900" algn="l">
-              <a:buClr>
-                <a:srgbClr val="0070C0"/>
-              </a:buClr>
-              <a:buSzPct val="80000"/>
-              <a:buFont typeface="Wingdings" pitchFamily="2" charset="2"/>
-              <a:buChar char="u"/>
-            </a:pPr>
-            <a:r>
-              <a:rPr lang="en-US" sz="1800" dirty="0">
-                <a:solidFill>
-                  <a:schemeClr val="tx1"/>
-                </a:solidFill>
-              </a:rPr>
-              <a:t>Note: detectron2 cannot </a:t>
-            </a:r>
-            <a:r>
-              <a:rPr lang="en-US" sz="1800">
-                <a:solidFill>
-                  <a:schemeClr val="tx1"/>
-                </a:solidFill>
-              </a:rPr>
-              <a:t>install under </a:t>
-            </a:r>
-            <a:r>
-              <a:rPr lang="en-US" sz="1800" dirty="0">
-                <a:solidFill>
-                  <a:schemeClr val="tx1"/>
-                </a:solidFill>
-              </a:rPr>
-              <a:t>window 10</a:t>
-            </a:r>
+                <a:hlinkClick r:id="rId3"/>
+              </a:rPr>
+              <a:t>http://www.codeblocks.org/downloads/26</a:t>
+            </a:r>
+            <a:endParaRPr lang="en-US" sz="1800" dirty="0"/>
           </a:p>
         </p:txBody>
       </p:sp>
@@ -4756,7 +6528,7 @@
             </a:pPr>
             <a:r>
               <a:rPr lang="en-US" sz="1600" dirty="0">
-                <a:hlinkClick r:id="rId3"/>
+                <a:hlinkClick r:id="rId4"/>
               </a:rPr>
               <a:t>https://colab.research.google.com/drive/16jcaJoc6bCFAQ96jDe2HwtXj7BMD_-m5#scrollTo=QHnVupBBn9eR</a:t>
             </a:r>
@@ -4819,7 +6591,7 @@
             <a:fld id="{E4D7E63D-91F2-4366-A2C4-1B00C9E2590E}" type="slidenum">
               <a:rPr lang="zh-TW" altLang="en-US" smtClean="0"/>
               <a:pPr/>
-              <a:t>4</a:t>
+              <a:t>6</a:t>
             </a:fld>
             <a:endParaRPr lang="zh-TW" altLang="en-US"/>
           </a:p>
@@ -4827,10 +6599,10 @@
       </p:sp>
       <p:pic>
         <p:nvPicPr>
-          <p:cNvPr id="10" name="Picture 9">
+          <p:cNvPr id="7" name="Picture 6">
             <a:extLst>
               <a:ext uri="{FF2B5EF4-FFF2-40B4-BE49-F238E27FC236}">
-                <a16:creationId xmlns:a16="http://schemas.microsoft.com/office/drawing/2014/main" id="{D1FBFDB1-8BFD-466B-977C-3727EBDC93BE}"/>
+                <a16:creationId xmlns:a16="http://schemas.microsoft.com/office/drawing/2014/main" id="{66C056F6-0BDE-4E03-A621-2A161C2BD6E3}"/>
               </a:ext>
             </a:extLst>
           </p:cNvPr>
@@ -4840,15 +6612,15 @@
           <p:nvPr/>
         </p:nvPicPr>
         <p:blipFill>
-          <a:blip r:embed="rId4"/>
+          <a:blip r:embed="rId5"/>
           <a:stretch>
             <a:fillRect/>
           </a:stretch>
         </p:blipFill>
         <p:spPr>
           <a:xfrm>
-            <a:off x="547188" y="3365255"/>
-            <a:ext cx="8567936" cy="1423540"/>
+            <a:off x="1043608" y="2760559"/>
+            <a:ext cx="5652120" cy="3529868"/>
           </a:xfrm>
           <a:prstGeom prst="rect">
             <a:avLst/>
@@ -4860,6 +6632,58 @@
           </a:ln>
         </p:spPr>
       </p:pic>
+      <p:sp>
+        <p:nvSpPr>
+          <p:cNvPr id="8" name="Rectangle 7">
+            <a:extLst>
+              <a:ext uri="{FF2B5EF4-FFF2-40B4-BE49-F238E27FC236}">
+                <a16:creationId xmlns:a16="http://schemas.microsoft.com/office/drawing/2014/main" id="{E475D12B-45B6-4196-B563-68997837D61B}"/>
+              </a:ext>
+            </a:extLst>
+          </p:cNvPr>
+          <p:cNvSpPr/>
+          <p:nvPr/>
+        </p:nvSpPr>
+        <p:spPr>
+          <a:xfrm>
+            <a:off x="5004048" y="5949280"/>
+            <a:ext cx="576064" cy="144015"/>
+          </a:xfrm>
+          <a:prstGeom prst="rect">
+            <a:avLst/>
+          </a:prstGeom>
+          <a:noFill/>
+          <a:ln>
+            <a:solidFill>
+              <a:srgbClr val="C00000"/>
+            </a:solidFill>
+          </a:ln>
+        </p:spPr>
+        <p:style>
+          <a:lnRef idx="2">
+            <a:schemeClr val="accent1">
+              <a:shade val="50000"/>
+            </a:schemeClr>
+          </a:lnRef>
+          <a:fillRef idx="1">
+            <a:schemeClr val="accent1"/>
+          </a:fillRef>
+          <a:effectRef idx="0">
+            <a:schemeClr val="accent1"/>
+          </a:effectRef>
+          <a:fontRef idx="minor">
+            <a:schemeClr val="lt1"/>
+          </a:fontRef>
+        </p:style>
+        <p:txBody>
+          <a:bodyPr rtlCol="0" anchor="ctr"/>
+          <a:lstStyle/>
+          <a:p>
+            <a:pPr algn="ctr"/>
+            <a:endParaRPr lang="en-US"/>
+          </a:p>
+        </p:txBody>
+      </p:sp>
     </p:spTree>
     <p:extLst>
       <p:ext uri="{BB962C8B-B14F-4D97-AF65-F5344CB8AC3E}">
@@ -4873,7 +6697,7 @@
 </p:sld>
 </file>
 
-<file path=ppt/slides/slide5.xml><?xml version="1.0" encoding="utf-8"?>
+<file path=ppt/slides/slide7.xml><?xml version="1.0" encoding="utf-8"?>
 <p:sld xmlns:a="http://schemas.openxmlformats.org/drawingml/2006/main" xmlns:r="http://schemas.openxmlformats.org/officeDocument/2006/relationships" xmlns:p="http://schemas.openxmlformats.org/presentationml/2006/main">
   <p:cSld>
     <p:spTree>
@@ -4967,8 +6791,8 @@
         </p:nvSpPr>
         <p:spPr>
           <a:xfrm>
-            <a:off x="467544" y="1268759"/>
-            <a:ext cx="8352928" cy="1423540"/>
+            <a:off x="444431" y="1268760"/>
+            <a:ext cx="8352928" cy="1029768"/>
           </a:xfrm>
           <a:ln>
             <a:solidFill>
@@ -4991,18 +6815,24 @@
               <a:buChar char="u"/>
             </a:pPr>
             <a:r>
-              <a:rPr lang="en-US" sz="1800" b="1" dirty="0">
-                <a:solidFill>
-                  <a:srgbClr val="C00000"/>
-                </a:solidFill>
-              </a:rPr>
-              <a:t>Restart the computer</a:t>
-            </a:r>
-            <a:endParaRPr lang="en-US" altLang="en-US" sz="4400" b="1" dirty="0">
+              <a:rPr lang="en-US" sz="1800" dirty="0">
+                <a:solidFill>
+                  <a:schemeClr val="tx1"/>
+                </a:solidFill>
+                <a:hlinkClick r:id="rId2">
+                  <a:extLst>
+                    <a:ext uri="{A12FA001-AC4F-418D-AE19-62706E023703}">
+                      <ahyp:hlinkClr xmlns:ahyp="http://schemas.microsoft.com/office/drawing/2018/hyperlinkcolor" val="tx"/>
+                    </a:ext>
+                  </a:extLst>
+                </a:hlinkClick>
+              </a:rPr>
+              <a:t>https://github.com/facebookresearch/detectron2/issues/160 </a:t>
+            </a:r>
+            <a:endParaRPr lang="en-US" sz="1800" dirty="0">
               <a:solidFill>
-                <a:srgbClr val="C00000"/>
+                <a:schemeClr val="tx1"/>
               </a:solidFill>
-              <a:latin typeface="Arial" panose="020B0604020202020204" pitchFamily="34" charset="0"/>
             </a:endParaRPr>
           </a:p>
           <a:p>
@@ -5013,6 +6843,72 @@
               <a:buSzPct val="80000"/>
               <a:buFont typeface="Wingdings" pitchFamily="2" charset="2"/>
               <a:buChar char="u"/>
+            </a:pPr>
+            <a:r>
+              <a:rPr lang="en-US" sz="1800" dirty="0">
+                <a:solidFill>
+                  <a:schemeClr val="tx1"/>
+                </a:solidFill>
+              </a:rPr>
+              <a:t>Check the compiled environment:</a:t>
+            </a:r>
+          </a:p>
+          <a:p>
+            <a:pPr marL="342900" indent="-342900" algn="l">
+              <a:buClr>
+                <a:srgbClr val="0070C0"/>
+              </a:buClr>
+              <a:buSzPct val="80000"/>
+              <a:buFont typeface="Wingdings" pitchFamily="2" charset="2"/>
+              <a:buChar char="u"/>
+            </a:pPr>
+            <a:r>
+              <a:rPr lang="en-US" sz="1800" dirty="0">
+                <a:solidFill>
+                  <a:schemeClr val="tx1"/>
+                </a:solidFill>
+              </a:rPr>
+              <a:t>&gt; </a:t>
+            </a:r>
+            <a:r>
+              <a:rPr lang="en-US" altLang="en-US" sz="1800" dirty="0">
+                <a:solidFill>
+                  <a:schemeClr val="tx1"/>
+                </a:solidFill>
+                <a:latin typeface="SFMono-Regular"/>
+              </a:rPr>
+              <a:t>python detectron2/utils/collect_env.py</a:t>
+            </a:r>
+            <a:r>
+              <a:rPr lang="en-US" altLang="en-US" sz="1800" dirty="0">
+                <a:solidFill>
+                  <a:schemeClr val="tx1"/>
+                </a:solidFill>
+                <a:latin typeface="-apple-system"/>
+              </a:rPr>
+              <a:t>.</a:t>
+            </a:r>
+            <a:r>
+              <a:rPr lang="en-US" altLang="en-US" sz="1800" dirty="0">
+                <a:solidFill>
+                  <a:schemeClr val="tx1"/>
+                </a:solidFill>
+              </a:rPr>
+              <a:t> </a:t>
+            </a:r>
+            <a:endParaRPr lang="en-US" altLang="en-US" sz="1800" dirty="0">
+              <a:solidFill>
+                <a:schemeClr val="tx1"/>
+              </a:solidFill>
+              <a:latin typeface="Arial" panose="020B0604020202020204" pitchFamily="34" charset="0"/>
+            </a:endParaRPr>
+          </a:p>
+          <a:p>
+            <a:pPr algn="l">
+              <a:buClr>
+                <a:srgbClr val="0070C0"/>
+              </a:buClr>
+              <a:buSzPct val="80000"/>
             </a:pPr>
             <a:endParaRPr lang="en-US" sz="1800" dirty="0">
               <a:solidFill>
@@ -5078,7 +6974,7 @@
             </a:pPr>
             <a:r>
               <a:rPr lang="en-US" sz="1600" dirty="0">
-                <a:hlinkClick r:id="rId2"/>
+                <a:hlinkClick r:id="rId3"/>
               </a:rPr>
               <a:t>https://colab.research.google.com/drive/16jcaJoc6bCFAQ96jDe2HwtXj7BMD_-m5#scrollTo=QHnVupBBn9eR</a:t>
             </a:r>
@@ -5141,16 +7037,272 @@
             <a:fld id="{E4D7E63D-91F2-4366-A2C4-1B00C9E2590E}" type="slidenum">
               <a:rPr lang="zh-TW" altLang="en-US" smtClean="0"/>
               <a:pPr/>
-              <a:t>5</a:t>
+              <a:t>7</a:t>
             </a:fld>
             <a:endParaRPr lang="zh-TW" altLang="en-US"/>
+          </a:p>
+        </p:txBody>
+      </p:sp>
+      <p:pic>
+        <p:nvPicPr>
+          <p:cNvPr id="9" name="Picture 8">
+            <a:extLst>
+              <a:ext uri="{FF2B5EF4-FFF2-40B4-BE49-F238E27FC236}">
+                <a16:creationId xmlns:a16="http://schemas.microsoft.com/office/drawing/2014/main" id="{E1D3D0B7-445D-4F67-95E5-B0F5E170D042}"/>
+              </a:ext>
+            </a:extLst>
+          </p:cNvPr>
+          <p:cNvPicPr>
+            <a:picLocks noChangeAspect="1"/>
+          </p:cNvPicPr>
+          <p:nvPr/>
+        </p:nvPicPr>
+        <p:blipFill>
+          <a:blip r:embed="rId4"/>
+          <a:stretch>
+            <a:fillRect/>
+          </a:stretch>
+        </p:blipFill>
+        <p:spPr>
+          <a:xfrm>
+            <a:off x="1524000" y="2433678"/>
+            <a:ext cx="5868144" cy="4131466"/>
+          </a:xfrm>
+          <a:prstGeom prst="rect">
+            <a:avLst/>
+          </a:prstGeom>
+          <a:ln>
+            <a:solidFill>
+              <a:srgbClr val="C00000"/>
+            </a:solidFill>
+          </a:ln>
+        </p:spPr>
+      </p:pic>
+      <p:sp>
+        <p:nvSpPr>
+          <p:cNvPr id="11" name="Rectangle 2">
+            <a:extLst>
+              <a:ext uri="{FF2B5EF4-FFF2-40B4-BE49-F238E27FC236}">
+                <a16:creationId xmlns:a16="http://schemas.microsoft.com/office/drawing/2014/main" id="{0BF51AA3-CE5A-4207-9256-58EF2FAF9FB8}"/>
+              </a:ext>
+            </a:extLst>
+          </p:cNvPr>
+          <p:cNvSpPr>
+            <a:spLocks noChangeArrowheads="1"/>
+          </p:cNvSpPr>
+          <p:nvPr/>
+        </p:nvSpPr>
+        <p:spPr bwMode="auto">
+          <a:xfrm>
+            <a:off x="0" y="90100"/>
+            <a:ext cx="65" cy="276999"/>
+          </a:xfrm>
+          <a:prstGeom prst="rect">
+            <a:avLst/>
+          </a:prstGeom>
+          <a:noFill/>
+          <a:ln>
+            <a:noFill/>
+          </a:ln>
+          <a:effectLst/>
+          <a:extLst>
+            <a:ext uri="{909E8E84-426E-40DD-AFC4-6F175D3DCCD1}">
+              <a14:hiddenFill xmlns:a14="http://schemas.microsoft.com/office/drawing/2010/main">
+                <a:solidFill>
+                  <a:schemeClr val="accent1"/>
+                </a:solidFill>
+              </a14:hiddenFill>
+            </a:ext>
+            <a:ext uri="{91240B29-F687-4F45-9708-019B960494DF}">
+              <a14:hiddenLine xmlns:a14="http://schemas.microsoft.com/office/drawing/2010/main" w="9525">
+                <a:solidFill>
+                  <a:schemeClr val="tx1"/>
+                </a:solidFill>
+                <a:miter lim="800000"/>
+                <a:headEnd/>
+                <a:tailEnd/>
+              </a14:hiddenLine>
+            </a:ext>
+            <a:ext uri="{AF507438-7753-43E0-B8FC-AC1667EBCBE1}">
+              <a14:hiddenEffects xmlns:a14="http://schemas.microsoft.com/office/drawing/2010/main">
+                <a:effectLst>
+                  <a:outerShdw dist="35921" dir="2700000" algn="ctr" rotWithShape="0">
+                    <a:schemeClr val="bg2"/>
+                  </a:outerShdw>
+                </a:effectLst>
+              </a14:hiddenEffects>
+            </a:ext>
+          </a:extLst>
+        </p:spPr>
+        <p:txBody>
+          <a:bodyPr vert="horz" wrap="none" lIns="0" tIns="0" rIns="0" bIns="0" numCol="1" anchor="ctr" anchorCtr="0" compatLnSpc="1">
+            <a:prstTxWarp prst="textNoShape">
+              <a:avLst/>
+            </a:prstTxWarp>
+            <a:spAutoFit/>
+          </a:bodyPr>
+          <a:lstStyle>
+            <a:lvl1pPr eaLnBrk="0" fontAlgn="base" hangingPunct="0">
+              <a:spcBef>
+                <a:spcPct val="0"/>
+              </a:spcBef>
+              <a:spcAft>
+                <a:spcPct val="0"/>
+              </a:spcAft>
+              <a:defRPr>
+                <a:solidFill>
+                  <a:schemeClr val="tx1"/>
+                </a:solidFill>
+                <a:latin typeface="Arial" panose="020B0604020202020204" pitchFamily="34" charset="0"/>
+              </a:defRPr>
+            </a:lvl1pPr>
+            <a:lvl2pPr eaLnBrk="0" fontAlgn="base" hangingPunct="0">
+              <a:spcBef>
+                <a:spcPct val="0"/>
+              </a:spcBef>
+              <a:spcAft>
+                <a:spcPct val="0"/>
+              </a:spcAft>
+              <a:defRPr>
+                <a:solidFill>
+                  <a:schemeClr val="tx1"/>
+                </a:solidFill>
+                <a:latin typeface="Arial" panose="020B0604020202020204" pitchFamily="34" charset="0"/>
+              </a:defRPr>
+            </a:lvl2pPr>
+            <a:lvl3pPr eaLnBrk="0" fontAlgn="base" hangingPunct="0">
+              <a:spcBef>
+                <a:spcPct val="0"/>
+              </a:spcBef>
+              <a:spcAft>
+                <a:spcPct val="0"/>
+              </a:spcAft>
+              <a:defRPr>
+                <a:solidFill>
+                  <a:schemeClr val="tx1"/>
+                </a:solidFill>
+                <a:latin typeface="Arial" panose="020B0604020202020204" pitchFamily="34" charset="0"/>
+              </a:defRPr>
+            </a:lvl3pPr>
+            <a:lvl4pPr eaLnBrk="0" fontAlgn="base" hangingPunct="0">
+              <a:spcBef>
+                <a:spcPct val="0"/>
+              </a:spcBef>
+              <a:spcAft>
+                <a:spcPct val="0"/>
+              </a:spcAft>
+              <a:defRPr>
+                <a:solidFill>
+                  <a:schemeClr val="tx1"/>
+                </a:solidFill>
+                <a:latin typeface="Arial" panose="020B0604020202020204" pitchFamily="34" charset="0"/>
+              </a:defRPr>
+            </a:lvl4pPr>
+            <a:lvl5pPr eaLnBrk="0" fontAlgn="base" hangingPunct="0">
+              <a:spcBef>
+                <a:spcPct val="0"/>
+              </a:spcBef>
+              <a:spcAft>
+                <a:spcPct val="0"/>
+              </a:spcAft>
+              <a:defRPr>
+                <a:solidFill>
+                  <a:schemeClr val="tx1"/>
+                </a:solidFill>
+                <a:latin typeface="Arial" panose="020B0604020202020204" pitchFamily="34" charset="0"/>
+              </a:defRPr>
+            </a:lvl5pPr>
+            <a:lvl6pPr eaLnBrk="0" fontAlgn="base" hangingPunct="0">
+              <a:spcBef>
+                <a:spcPct val="0"/>
+              </a:spcBef>
+              <a:spcAft>
+                <a:spcPct val="0"/>
+              </a:spcAft>
+              <a:defRPr>
+                <a:solidFill>
+                  <a:schemeClr val="tx1"/>
+                </a:solidFill>
+                <a:latin typeface="Arial" panose="020B0604020202020204" pitchFamily="34" charset="0"/>
+              </a:defRPr>
+            </a:lvl6pPr>
+            <a:lvl7pPr eaLnBrk="0" fontAlgn="base" hangingPunct="0">
+              <a:spcBef>
+                <a:spcPct val="0"/>
+              </a:spcBef>
+              <a:spcAft>
+                <a:spcPct val="0"/>
+              </a:spcAft>
+              <a:defRPr>
+                <a:solidFill>
+                  <a:schemeClr val="tx1"/>
+                </a:solidFill>
+                <a:latin typeface="Arial" panose="020B0604020202020204" pitchFamily="34" charset="0"/>
+              </a:defRPr>
+            </a:lvl7pPr>
+            <a:lvl8pPr eaLnBrk="0" fontAlgn="base" hangingPunct="0">
+              <a:spcBef>
+                <a:spcPct val="0"/>
+              </a:spcBef>
+              <a:spcAft>
+                <a:spcPct val="0"/>
+              </a:spcAft>
+              <a:defRPr>
+                <a:solidFill>
+                  <a:schemeClr val="tx1"/>
+                </a:solidFill>
+                <a:latin typeface="Arial" panose="020B0604020202020204" pitchFamily="34" charset="0"/>
+              </a:defRPr>
+            </a:lvl8pPr>
+            <a:lvl9pPr eaLnBrk="0" fontAlgn="base" hangingPunct="0">
+              <a:spcBef>
+                <a:spcPct val="0"/>
+              </a:spcBef>
+              <a:spcAft>
+                <a:spcPct val="0"/>
+              </a:spcAft>
+              <a:defRPr>
+                <a:solidFill>
+                  <a:schemeClr val="tx1"/>
+                </a:solidFill>
+                <a:latin typeface="Arial" panose="020B0604020202020204" pitchFamily="34" charset="0"/>
+              </a:defRPr>
+            </a:lvl9pPr>
+          </a:lstStyle>
+          <a:p>
+            <a:pPr marL="0" marR="0" lvl="0" indent="0" algn="l" defTabSz="914400" rtl="0" eaLnBrk="0" fontAlgn="base" latinLnBrk="0" hangingPunct="0">
+              <a:lnSpc>
+                <a:spcPct val="100000"/>
+              </a:lnSpc>
+              <a:spcBef>
+                <a:spcPct val="0"/>
+              </a:spcBef>
+              <a:spcAft>
+                <a:spcPct val="0"/>
+              </a:spcAft>
+              <a:buClrTx/>
+              <a:buSzTx/>
+              <a:buFontTx/>
+              <a:buNone/>
+              <a:tabLst/>
+            </a:pPr>
+            <a:endParaRPr kumimoji="0" lang="en-US" altLang="en-US" sz="1800" b="0" i="0" u="none" strike="noStrike" cap="none" normalizeH="0" baseline="0" dirty="0">
+              <a:ln>
+                <a:noFill/>
+              </a:ln>
+              <a:solidFill>
+                <a:schemeClr val="tx1"/>
+              </a:solidFill>
+              <a:effectLst/>
+              <a:latin typeface="Arial" panose="020B0604020202020204" pitchFamily="34" charset="0"/>
+            </a:endParaRPr>
           </a:p>
         </p:txBody>
       </p:sp>
     </p:spTree>
     <p:extLst>
       <p:ext uri="{BB962C8B-B14F-4D97-AF65-F5344CB8AC3E}">
-        <p14:creationId xmlns:p14="http://schemas.microsoft.com/office/powerpoint/2010/main" val="3640693959"/>
+        <p14:creationId xmlns:p14="http://schemas.microsoft.com/office/powerpoint/2010/main" val="1464941777"/>
       </p:ext>
     </p:extLst>
   </p:cSld>
@@ -5160,7 +7312,7 @@
 </p:sld>
 </file>
 
-<file path=ppt/slides/slide6.xml><?xml version="1.0" encoding="utf-8"?>
+<file path=ppt/slides/slide8.xml><?xml version="1.0" encoding="utf-8"?>
 <p:sld xmlns:a="http://schemas.openxmlformats.org/drawingml/2006/main" xmlns:r="http://schemas.openxmlformats.org/officeDocument/2006/relationships" xmlns:p="http://schemas.openxmlformats.org/presentationml/2006/main">
   <p:cSld>
     <p:spTree>
@@ -5254,8 +7406,8 @@
         </p:nvSpPr>
         <p:spPr>
           <a:xfrm>
-            <a:off x="467544" y="1268759"/>
-            <a:ext cx="8352928" cy="1423540"/>
+            <a:off x="467544" y="1268758"/>
+            <a:ext cx="8352928" cy="2520282"/>
           </a:xfrm>
           <a:ln>
             <a:solidFill>
@@ -5279,11 +7431,24 @@
             </a:pPr>
             <a:r>
               <a:rPr lang="en-US" sz="1800" dirty="0">
-                <a:hlinkClick r:id="rId2"/>
-              </a:rPr>
-              <a:t>https://github.com/facebookresearch/detectron2/blob/master/INSTALL.md</a:t>
-            </a:r>
-            <a:endParaRPr lang="en-US" sz="1800" dirty="0"/>
+                <a:solidFill>
+                  <a:schemeClr val="tx1"/>
+                </a:solidFill>
+                <a:hlinkClick r:id="rId2">
+                  <a:extLst>
+                    <a:ext uri="{A12FA001-AC4F-418D-AE19-62706E023703}">
+                      <ahyp:hlinkClr xmlns:ahyp="http://schemas.microsoft.com/office/drawing/2018/hyperlinkcolor" val="tx"/>
+                    </a:ext>
+                  </a:extLst>
+                </a:hlinkClick>
+              </a:rPr>
+              <a:t>https://github.com/facebookresearch/detectron2/blob/master/INSTALL.md </a:t>
+            </a:r>
+            <a:endParaRPr lang="en-US" sz="1800" dirty="0">
+              <a:solidFill>
+                <a:schemeClr val="tx1"/>
+              </a:solidFill>
+            </a:endParaRPr>
           </a:p>
           <a:p>
             <a:pPr marL="342900" indent="-342900" algn="l">
@@ -5295,12 +7460,20 @@
               <a:buChar char="u"/>
             </a:pPr>
             <a:r>
+              <a:rPr lang="en-US" sz="1800" dirty="0" err="1">
+                <a:solidFill>
+                  <a:schemeClr val="tx1"/>
+                </a:solidFill>
+              </a:rPr>
+              <a:t>gcc</a:t>
+            </a:r>
+            <a:r>
               <a:rPr lang="en-US" sz="1800" dirty="0">
                 <a:solidFill>
                   <a:schemeClr val="tx1"/>
                 </a:solidFill>
               </a:rPr>
-              <a:t>9:56/1:07:20</a:t>
+              <a:t> &amp; g++ ≥ 5 are required. </a:t>
             </a:r>
           </a:p>
           <a:p>
@@ -5313,13 +7486,44 @@
               <a:buChar char="u"/>
             </a:pPr>
             <a:r>
-              <a:rPr lang="en-US" altLang="en-US" sz="1800" dirty="0">
-                <a:solidFill>
-                  <a:srgbClr val="24292E"/>
-                </a:solidFill>
-                <a:latin typeface="SFMono-Regular"/>
-              </a:rPr>
-              <a:t>&gt; git clone https://github.com/facebookresearch/detectron2.git </a:t>
+              <a:rPr lang="en-US" sz="1800" dirty="0">
+                <a:solidFill>
+                  <a:schemeClr val="tx1"/>
+                </a:solidFill>
+              </a:rPr>
+              <a:t>To load </a:t>
+            </a:r>
+            <a:r>
+              <a:rPr lang="en-US" sz="1800" dirty="0" err="1">
+                <a:solidFill>
+                  <a:schemeClr val="tx1"/>
+                </a:solidFill>
+              </a:rPr>
+              <a:t>gcc</a:t>
+            </a:r>
+            <a:r>
+              <a:rPr lang="en-US" sz="1800" dirty="0">
+                <a:solidFill>
+                  <a:schemeClr val="tx1"/>
+                </a:solidFill>
+              </a:rPr>
+              <a:t> &gt; 5, we need download </a:t>
+            </a:r>
+            <a:r>
+              <a:rPr lang="en-US" sz="1800" dirty="0" err="1">
+                <a:solidFill>
+                  <a:schemeClr val="tx1"/>
+                </a:solidFill>
+              </a:rPr>
+              <a:t>gcc</a:t>
+            </a:r>
+            <a:r>
+              <a:rPr lang="en-US" sz="1800" dirty="0">
+                <a:solidFill>
+                  <a:schemeClr val="tx1"/>
+                </a:solidFill>
+              </a:rPr>
+              <a:t> from Code::Blocks</a:t>
             </a:r>
           </a:p>
           <a:p>
@@ -5332,28 +7536,12 @@
               <a:buChar char="u"/>
             </a:pPr>
             <a:r>
-              <a:rPr lang="en-US" altLang="en-US" sz="1800" dirty="0">
-                <a:solidFill>
-                  <a:srgbClr val="24292E"/>
-                </a:solidFill>
-                <a:latin typeface="SFMono-Regular"/>
-              </a:rPr>
-              <a:t>&gt; python -m pip install -e detectron2</a:t>
-            </a:r>
-            <a:r>
-              <a:rPr lang="en-US" altLang="en-US" sz="800" dirty="0">
-                <a:solidFill>
-                  <a:schemeClr val="tx1"/>
-                </a:solidFill>
-              </a:rPr>
-              <a:t> </a:t>
-            </a:r>
-            <a:endParaRPr lang="en-US" altLang="en-US" sz="4400" dirty="0">
-              <a:solidFill>
-                <a:schemeClr val="tx1"/>
-              </a:solidFill>
-              <a:latin typeface="Arial" panose="020B0604020202020204" pitchFamily="34" charset="0"/>
-            </a:endParaRPr>
+              <a:rPr lang="en-US" sz="1800" dirty="0">
+                <a:hlinkClick r:id="rId3"/>
+              </a:rPr>
+              <a:t>http://www.codeblocks.org/downloads/26</a:t>
+            </a:r>
+            <a:endParaRPr lang="en-US" sz="1800" dirty="0"/>
           </a:p>
           <a:p>
             <a:pPr marL="342900" indent="-342900" algn="l">
@@ -5369,6 +7557,42 @@
                 <a:schemeClr val="tx1"/>
               </a:solidFill>
             </a:endParaRPr>
+          </a:p>
+          <a:p>
+            <a:pPr marL="342900" indent="-342900" algn="l">
+              <a:buClr>
+                <a:srgbClr val="0070C0"/>
+              </a:buClr>
+              <a:buSzPct val="80000"/>
+              <a:buFont typeface="Wingdings" pitchFamily="2" charset="2"/>
+              <a:buChar char="u"/>
+            </a:pPr>
+            <a:r>
+              <a:rPr lang="en-US" sz="1800" dirty="0">
+                <a:solidFill>
+                  <a:schemeClr val="tx1"/>
+                </a:solidFill>
+              </a:rPr>
+              <a:t>&gt; git clone https://github.com/facebookresearch/detectron2 detectron2_repo</a:t>
+            </a:r>
+          </a:p>
+          <a:p>
+            <a:pPr marL="342900" indent="-342900" algn="l">
+              <a:buClr>
+                <a:srgbClr val="0070C0"/>
+              </a:buClr>
+              <a:buSzPct val="80000"/>
+              <a:buFont typeface="Wingdings" pitchFamily="2" charset="2"/>
+              <a:buChar char="u"/>
+            </a:pPr>
+            <a:r>
+              <a:rPr lang="en-US" sz="1800" dirty="0">
+                <a:solidFill>
+                  <a:schemeClr val="tx1"/>
+                </a:solidFill>
+              </a:rPr>
+              <a:t>Note: detectron2 cannot install under window 10</a:t>
+            </a:r>
           </a:p>
         </p:txBody>
       </p:sp>
@@ -5428,7 +7652,7 @@
             </a:pPr>
             <a:r>
               <a:rPr lang="en-US" sz="1600" dirty="0">
-                <a:hlinkClick r:id="rId3"/>
+                <a:hlinkClick r:id="rId4"/>
               </a:rPr>
               <a:t>https://colab.research.google.com/drive/16jcaJoc6bCFAQ96jDe2HwtXj7BMD_-m5#scrollTo=QHnVupBBn9eR</a:t>
             </a:r>
@@ -5491,16 +7715,51 @@
             <a:fld id="{E4D7E63D-91F2-4366-A2C4-1B00C9E2590E}" type="slidenum">
               <a:rPr lang="zh-TW" altLang="en-US" smtClean="0"/>
               <a:pPr/>
-              <a:t>6</a:t>
+              <a:t>8</a:t>
             </a:fld>
             <a:endParaRPr lang="zh-TW" altLang="en-US"/>
           </a:p>
         </p:txBody>
       </p:sp>
+      <p:pic>
+        <p:nvPicPr>
+          <p:cNvPr id="10" name="Picture 9">
+            <a:extLst>
+              <a:ext uri="{FF2B5EF4-FFF2-40B4-BE49-F238E27FC236}">
+                <a16:creationId xmlns:a16="http://schemas.microsoft.com/office/drawing/2014/main" id="{D1FBFDB1-8BFD-466B-977C-3727EBDC93BE}"/>
+              </a:ext>
+            </a:extLst>
+          </p:cNvPr>
+          <p:cNvPicPr>
+            <a:picLocks noChangeAspect="1"/>
+          </p:cNvPicPr>
+          <p:nvPr/>
+        </p:nvPicPr>
+        <p:blipFill>
+          <a:blip r:embed="rId5"/>
+          <a:stretch>
+            <a:fillRect/>
+          </a:stretch>
+        </p:blipFill>
+        <p:spPr>
+          <a:xfrm>
+            <a:off x="755576" y="4293096"/>
+            <a:ext cx="8567936" cy="1423540"/>
+          </a:xfrm>
+          <a:prstGeom prst="rect">
+            <a:avLst/>
+          </a:prstGeom>
+          <a:ln>
+            <a:solidFill>
+              <a:srgbClr val="C00000"/>
+            </a:solidFill>
+          </a:ln>
+        </p:spPr>
+      </p:pic>
     </p:spTree>
     <p:extLst>
       <p:ext uri="{BB962C8B-B14F-4D97-AF65-F5344CB8AC3E}">
-        <p14:creationId xmlns:p14="http://schemas.microsoft.com/office/powerpoint/2010/main" val="987816732"/>
+        <p14:creationId xmlns:p14="http://schemas.microsoft.com/office/powerpoint/2010/main" val="2817493695"/>
       </p:ext>
     </p:extLst>
   </p:cSld>
@@ -5510,7 +7769,7 @@
 </p:sld>
 </file>
 
-<file path=ppt/slides/slide7.xml><?xml version="1.0" encoding="utf-8"?>
+<file path=ppt/slides/slide9.xml><?xml version="1.0" encoding="utf-8"?>
 <p:sld xmlns:a="http://schemas.openxmlformats.org/drawingml/2006/main" xmlns:r="http://schemas.openxmlformats.org/officeDocument/2006/relationships" xmlns:p="http://schemas.openxmlformats.org/presentationml/2006/main">
   <p:cSld>
     <p:spTree>
@@ -5539,9 +7798,142 @@
         </p:nvSpPr>
         <p:spPr>
           <a:xfrm>
-            <a:off x="0" y="2130425"/>
-            <a:ext cx="9144000" cy="1470025"/>
+            <a:off x="0" y="1"/>
+            <a:ext cx="9144000" cy="764704"/>
           </a:xfrm>
+          <a:gradFill flip="none" rotWithShape="1">
+            <a:gsLst>
+              <a:gs pos="0">
+                <a:srgbClr val="C00000">
+                  <a:shade val="30000"/>
+                  <a:satMod val="115000"/>
+                </a:srgbClr>
+              </a:gs>
+              <a:gs pos="50000">
+                <a:srgbClr val="C00000">
+                  <a:shade val="67500"/>
+                  <a:satMod val="115000"/>
+                </a:srgbClr>
+              </a:gs>
+              <a:gs pos="100000">
+                <a:srgbClr val="C00000">
+                  <a:shade val="100000"/>
+                  <a:satMod val="115000"/>
+                </a:srgbClr>
+              </a:gs>
+            </a:gsLst>
+            <a:path path="circle">
+              <a:fillToRect t="100000" r="100000"/>
+            </a:path>
+            <a:tileRect l="-100000" b="-100000"/>
+          </a:gradFill>
+        </p:spPr>
+        <p:txBody>
+          <a:bodyPr>
+            <a:normAutofit/>
+          </a:bodyPr>
+          <a:lstStyle/>
+          <a:p>
+            <a:pPr algn="l"/>
+            <a:r>
+              <a:rPr lang="en-US" altLang="zh-TW" b="1" dirty="0">
+                <a:solidFill>
+                  <a:srgbClr val="FFFF00"/>
+                </a:solidFill>
+              </a:rPr>
+              <a:t>5 Implement</a:t>
+            </a:r>
+            <a:endParaRPr lang="zh-TW" altLang="en-US" b="1" dirty="0">
+              <a:solidFill>
+                <a:srgbClr val="FFFF00"/>
+              </a:solidFill>
+            </a:endParaRPr>
+          </a:p>
+        </p:txBody>
+      </p:sp>
+      <p:sp>
+        <p:nvSpPr>
+          <p:cNvPr id="3" name="副標題 2"/>
+          <p:cNvSpPr>
+            <a:spLocks noGrp="1"/>
+          </p:cNvSpPr>
+          <p:nvPr>
+            <p:ph type="subTitle" idx="1"/>
+          </p:nvPr>
+        </p:nvSpPr>
+        <p:spPr>
+          <a:xfrm>
+            <a:off x="467544" y="1268759"/>
+            <a:ext cx="8352928" cy="1423540"/>
+          </a:xfrm>
+          <a:ln>
+            <a:solidFill>
+              <a:srgbClr val="C00000"/>
+            </a:solidFill>
+          </a:ln>
+        </p:spPr>
+        <p:txBody>
+          <a:bodyPr>
+            <a:noAutofit/>
+          </a:bodyPr>
+          <a:lstStyle/>
+          <a:p>
+            <a:pPr marL="342900" indent="-342900" algn="l">
+              <a:buClr>
+                <a:srgbClr val="0070C0"/>
+              </a:buClr>
+              <a:buSzPct val="80000"/>
+              <a:buFont typeface="Wingdings" pitchFamily="2" charset="2"/>
+              <a:buChar char="u"/>
+            </a:pPr>
+            <a:r>
+              <a:rPr lang="en-US" sz="1800" b="1" dirty="0">
+                <a:solidFill>
+                  <a:srgbClr val="C00000"/>
+                </a:solidFill>
+              </a:rPr>
+              <a:t>Restart the computer</a:t>
+            </a:r>
+            <a:endParaRPr lang="en-US" altLang="en-US" sz="4400" b="1" dirty="0">
+              <a:solidFill>
+                <a:srgbClr val="C00000"/>
+              </a:solidFill>
+              <a:latin typeface="Arial" panose="020B0604020202020204" pitchFamily="34" charset="0"/>
+            </a:endParaRPr>
+          </a:p>
+          <a:p>
+            <a:pPr marL="342900" indent="-342900" algn="l">
+              <a:buClr>
+                <a:srgbClr val="0070C0"/>
+              </a:buClr>
+              <a:buSzPct val="80000"/>
+              <a:buFont typeface="Wingdings" pitchFamily="2" charset="2"/>
+              <a:buChar char="u"/>
+            </a:pPr>
+            <a:endParaRPr lang="en-US" sz="1800" dirty="0">
+              <a:solidFill>
+                <a:schemeClr val="tx1"/>
+              </a:solidFill>
+            </a:endParaRPr>
+          </a:p>
+        </p:txBody>
+      </p:sp>
+      <p:sp>
+        <p:nvSpPr>
+          <p:cNvPr id="4" name="標題 1"/>
+          <p:cNvSpPr txBox="1">
+            <a:spLocks/>
+          </p:cNvSpPr>
+          <p:nvPr/>
+        </p:nvSpPr>
+        <p:spPr>
+          <a:xfrm>
+            <a:off x="0" y="764704"/>
+            <a:ext cx="9144000" cy="360040"/>
+          </a:xfrm>
+          <a:prstGeom prst="rect">
+            <a:avLst/>
+          </a:prstGeom>
           <a:gradFill flip="none" rotWithShape="1">
             <a:gsLst>
               <a:gs pos="0">
@@ -5570,23 +7962,35 @@
           </a:gradFill>
         </p:spPr>
         <p:txBody>
-          <a:bodyPr>
+          <a:bodyPr vert="horz" lIns="91440" tIns="45720" rIns="91440" bIns="45720" rtlCol="0" anchor="ctr">
             <a:normAutofit/>
           </a:bodyPr>
           <a:lstStyle/>
           <a:p>
-            <a:r>
-              <a:rPr lang="en-US" altLang="zh-TW" sz="6000" b="1" dirty="0">
-                <a:solidFill>
-                  <a:srgbClr val="FFFF00"/>
-                </a:solidFill>
-              </a:rPr>
-              <a:t>End of Chapter</a:t>
-            </a:r>
-            <a:endParaRPr lang="zh-TW" altLang="en-US" sz="6000" b="1" dirty="0">
+            <a:pPr lvl="0">
+              <a:spcBef>
+                <a:spcPct val="0"/>
+              </a:spcBef>
+            </a:pPr>
+            <a:r>
+              <a:rPr lang="en-US" sz="1600" dirty="0">
+                <a:hlinkClick r:id="rId2"/>
+              </a:rPr>
+              <a:t>https://colab.research.google.com/drive/16jcaJoc6bCFAQ96jDe2HwtXj7BMD_-m5#scrollTo=QHnVupBBn9eR</a:t>
+            </a:r>
+            <a:endParaRPr kumimoji="0" lang="zh-TW" altLang="en-US" sz="1600" b="0" i="0" u="none" strike="noStrike" kern="1200" cap="none" spc="0" normalizeH="0" baseline="0" noProof="0" dirty="0">
+              <a:ln>
+                <a:noFill/>
+              </a:ln>
               <a:solidFill>
-                <a:srgbClr val="FFFF00"/>
+                <a:schemeClr val="tx1"/>
               </a:solidFill>
+              <a:effectLst/>
+              <a:uLnTx/>
+              <a:uFillTx/>
+              <a:latin typeface="+mj-lt"/>
+              <a:ea typeface="+mj-ea"/>
+              <a:cs typeface="+mj-cs"/>
             </a:endParaRPr>
           </a:p>
         </p:txBody>
@@ -5606,7 +8010,7 @@
           <a:bodyPr/>
           <a:lstStyle/>
           <a:p>
-            <a:fld id="{4E46BE27-E923-4EC2-B046-3272AE2A3E5C}" type="datetime1">
+            <a:fld id="{A4F910E6-8D00-4BAF-8C48-9688E0B449D3}" type="datetime1">
               <a:rPr lang="zh-TW" altLang="en-US" smtClean="0"/>
               <a:pPr/>
               <a:t>2020/5/14</a:t>
@@ -5633,13 +8037,18 @@
             <a:fld id="{E4D7E63D-91F2-4366-A2C4-1B00C9E2590E}" type="slidenum">
               <a:rPr lang="zh-TW" altLang="en-US" smtClean="0"/>
               <a:pPr/>
-              <a:t>7</a:t>
+              <a:t>9</a:t>
             </a:fld>
             <a:endParaRPr lang="zh-TW" altLang="en-US"/>
           </a:p>
         </p:txBody>
       </p:sp>
     </p:spTree>
+    <p:extLst>
+      <p:ext uri="{BB962C8B-B14F-4D97-AF65-F5344CB8AC3E}">
+        <p14:creationId xmlns:p14="http://schemas.microsoft.com/office/powerpoint/2010/main" val="3640693959"/>
+      </p:ext>
+    </p:extLst>
   </p:cSld>
   <p:clrMapOvr>
     <a:masterClrMapping/>
